--- a/src/main/java/com/java/z_exam/mysql/MySQL索引原理及如何建立高效索引.pptx
+++ b/src/main/java/com/java/z_exam/mysql/MySQL索引原理及如何建立高效索引.pptx
@@ -6,15 +6,18 @@
   </p:sldMasterIdLst>
   <p:sldIdLst>
     <p:sldId id="256" r:id="rId3"/>
-    <p:sldId id="257" r:id="rId4"/>
-    <p:sldId id="261" r:id="rId5"/>
-    <p:sldId id="262" r:id="rId6"/>
-    <p:sldId id="263" r:id="rId7"/>
-    <p:sldId id="264" r:id="rId8"/>
-    <p:sldId id="265" r:id="rId9"/>
-    <p:sldId id="266" r:id="rId10"/>
-    <p:sldId id="268" r:id="rId11"/>
-    <p:sldId id="267" r:id="rId12"/>
+    <p:sldId id="270" r:id="rId4"/>
+    <p:sldId id="271" r:id="rId5"/>
+    <p:sldId id="272" r:id="rId6"/>
+    <p:sldId id="257" r:id="rId7"/>
+    <p:sldId id="261" r:id="rId8"/>
+    <p:sldId id="262" r:id="rId9"/>
+    <p:sldId id="263" r:id="rId10"/>
+    <p:sldId id="264" r:id="rId11"/>
+    <p:sldId id="265" r:id="rId12"/>
+    <p:sldId id="266" r:id="rId13"/>
+    <p:sldId id="268" r:id="rId14"/>
+    <p:sldId id="267" r:id="rId15"/>
   </p:sldIdLst>
   <p:sldSz cx="12192000" cy="6858000"/>
   <p:notesSz cx="7103745" cy="10234295"/>
@@ -2837,6 +2840,1213 @@
                   <a:schemeClr val="accent2"/>
                 </a:solidFill>
               </a:rPr>
+              <a:t>索引底层数据结构与算法</a:t>
+            </a:r>
+            <a:endParaRPr lang="zh-CN" altLang="en-US" sz="3200" b="1">
+              <a:solidFill>
+                <a:schemeClr val="accent2"/>
+              </a:solidFill>
+            </a:endParaRPr>
+          </a:p>
+        </p:txBody>
+      </p:sp>
+      <p:sp>
+        <p:nvSpPr>
+          <p:cNvPr id="10" name="文本框 9"/>
+          <p:cNvSpPr txBox="1"/>
+          <p:nvPr/>
+        </p:nvSpPr>
+        <p:spPr>
+          <a:xfrm>
+            <a:off x="535940" y="1462405"/>
+            <a:ext cx="10937240" cy="460375"/>
+          </a:xfrm>
+          <a:prstGeom prst="rect">
+            <a:avLst/>
+          </a:prstGeom>
+          <a:noFill/>
+        </p:spPr>
+        <p:txBody>
+          <a:bodyPr wrap="square" rtlCol="0">
+            <a:spAutoFit/>
+          </a:bodyPr>
+          <a:p>
+            <a:pPr marL="285750" indent="-285750">
+              <a:buFont typeface="Arial" panose="020B0604020202090204" pitchFamily="34" charset="0"/>
+              <a:buChar char="•"/>
+            </a:pPr>
+            <a:r>
+              <a:rPr lang="en-US" altLang="zh-CN" sz="2400">
+                <a:solidFill>
+                  <a:srgbClr val="FF0000"/>
+                </a:solidFill>
+              </a:rPr>
+              <a:t>MyISAM</a:t>
+            </a:r>
+            <a:r>
+              <a:rPr lang="zh-CN" altLang="en-US" sz="2400">
+                <a:solidFill>
+                  <a:srgbClr val="FF0000"/>
+                </a:solidFill>
+              </a:rPr>
+              <a:t>索引实现（非聚集）</a:t>
+            </a:r>
+            <a:endParaRPr lang="zh-CN" altLang="en-US" sz="2400">
+              <a:solidFill>
+                <a:srgbClr val="FF0000"/>
+              </a:solidFill>
+            </a:endParaRPr>
+          </a:p>
+        </p:txBody>
+      </p:sp>
+      <p:sp>
+        <p:nvSpPr>
+          <p:cNvPr id="16" name="文本框 15"/>
+          <p:cNvSpPr txBox="1"/>
+          <p:nvPr/>
+        </p:nvSpPr>
+        <p:spPr>
+          <a:xfrm>
+            <a:off x="1054735" y="2025650"/>
+            <a:ext cx="11147425" cy="398780"/>
+          </a:xfrm>
+          <a:prstGeom prst="rect">
+            <a:avLst/>
+          </a:prstGeom>
+          <a:noFill/>
+        </p:spPr>
+        <p:txBody>
+          <a:bodyPr wrap="square" rtlCol="0">
+            <a:spAutoFit/>
+          </a:bodyPr>
+          <a:p>
+            <a:pPr marL="342900" indent="-342900">
+              <a:buFont typeface="Arial" panose="020B0604020202090204" pitchFamily="34" charset="0"/>
+              <a:buChar char="•"/>
+            </a:pPr>
+            <a:r>
+              <a:rPr lang="en-US" altLang="zh-CN" sz="2000">
+                <a:solidFill>
+                  <a:schemeClr val="tx1"/>
+                </a:solidFill>
+              </a:rPr>
+              <a:t>MyISAM</a:t>
+            </a:r>
+            <a:r>
+              <a:rPr lang="zh-CN" altLang="en-US" sz="2000">
+                <a:solidFill>
+                  <a:schemeClr val="tx1"/>
+                </a:solidFill>
+              </a:rPr>
+              <a:t>索引文件和数据文件是分离的：</a:t>
+            </a:r>
+            <a:r>
+              <a:rPr lang="en-US" altLang="zh-CN" sz="2000">
+                <a:solidFill>
+                  <a:schemeClr val="tx1"/>
+                </a:solidFill>
+              </a:rPr>
+              <a:t>.frm</a:t>
+            </a:r>
+            <a:r>
+              <a:rPr lang="zh-CN" altLang="en-US" sz="2000">
+                <a:solidFill>
+                  <a:schemeClr val="tx1"/>
+                </a:solidFill>
+              </a:rPr>
+              <a:t>结构文件、</a:t>
+            </a:r>
+            <a:r>
+              <a:rPr lang="en-US" altLang="zh-CN" sz="2000">
+                <a:solidFill>
+                  <a:schemeClr val="tx1"/>
+                </a:solidFill>
+              </a:rPr>
+              <a:t>.MYD</a:t>
+            </a:r>
+            <a:r>
+              <a:rPr lang="zh-CN" altLang="en-US" sz="2000">
+                <a:solidFill>
+                  <a:schemeClr val="tx1"/>
+                </a:solidFill>
+              </a:rPr>
+              <a:t>数据文件、</a:t>
+            </a:r>
+            <a:r>
+              <a:rPr lang="en-US" altLang="zh-CN" sz="2000">
+                <a:solidFill>
+                  <a:schemeClr val="tx1"/>
+                </a:solidFill>
+              </a:rPr>
+              <a:t>.MYI</a:t>
+            </a:r>
+            <a:r>
+              <a:rPr lang="zh-CN" altLang="en-US" sz="2000">
+                <a:solidFill>
+                  <a:schemeClr val="tx1"/>
+                </a:solidFill>
+              </a:rPr>
+              <a:t>索引文件</a:t>
+            </a:r>
+            <a:endParaRPr lang="zh-CN" altLang="en-US" sz="2000">
+              <a:solidFill>
+                <a:schemeClr val="tx1"/>
+              </a:solidFill>
+            </a:endParaRPr>
+          </a:p>
+        </p:txBody>
+      </p:sp>
+      <p:pic>
+        <p:nvPicPr>
+          <p:cNvPr id="2" name="图片 1"/>
+          <p:cNvPicPr>
+            <a:picLocks noChangeAspect="1"/>
+          </p:cNvPicPr>
+          <p:nvPr/>
+        </p:nvPicPr>
+        <p:blipFill>
+          <a:blip r:embed="rId1"/>
+          <a:stretch>
+            <a:fillRect/>
+          </a:stretch>
+        </p:blipFill>
+        <p:spPr>
+          <a:xfrm>
+            <a:off x="6454140" y="2424430"/>
+            <a:ext cx="5428615" cy="3952240"/>
+          </a:xfrm>
+          <a:prstGeom prst="rect">
+            <a:avLst/>
+          </a:prstGeom>
+        </p:spPr>
+      </p:pic>
+      <p:pic>
+        <p:nvPicPr>
+          <p:cNvPr id="5" name="图片 4"/>
+          <p:cNvPicPr>
+            <a:picLocks noChangeAspect="1"/>
+          </p:cNvPicPr>
+          <p:nvPr/>
+        </p:nvPicPr>
+        <p:blipFill>
+          <a:blip r:embed="rId2"/>
+          <a:stretch>
+            <a:fillRect/>
+          </a:stretch>
+        </p:blipFill>
+        <p:spPr>
+          <a:xfrm>
+            <a:off x="821055" y="2553970"/>
+            <a:ext cx="5372735" cy="3942080"/>
+          </a:xfrm>
+          <a:prstGeom prst="rect">
+            <a:avLst/>
+          </a:prstGeom>
+        </p:spPr>
+      </p:pic>
+    </p:spTree>
+  </p:cSld>
+  <p:clrMapOvr>
+    <a:masterClrMapping/>
+  </p:clrMapOvr>
+</p:sld>
+</file>
+
+<file path=ppt/slides/slide11.xml><?xml version="1.0" encoding="utf-8"?>
+<p:sld xmlns:a="http://schemas.openxmlformats.org/drawingml/2006/main" xmlns:r="http://schemas.openxmlformats.org/officeDocument/2006/relationships" xmlns:p="http://schemas.openxmlformats.org/presentationml/2006/main">
+  <p:cSld>
+    <p:spTree>
+      <p:nvGrpSpPr>
+        <p:cNvPr id="1" name=""/>
+        <p:cNvGrpSpPr/>
+        <p:nvPr/>
+      </p:nvGrpSpPr>
+      <p:grpSpPr/>
+      <p:sp>
+        <p:nvSpPr>
+          <p:cNvPr id="9" name="文本框 8"/>
+          <p:cNvSpPr txBox="1"/>
+          <p:nvPr/>
+        </p:nvSpPr>
+        <p:spPr>
+          <a:xfrm>
+            <a:off x="535940" y="427990"/>
+            <a:ext cx="5657850" cy="583565"/>
+          </a:xfrm>
+          <a:prstGeom prst="rect">
+            <a:avLst/>
+          </a:prstGeom>
+          <a:noFill/>
+        </p:spPr>
+        <p:txBody>
+          <a:bodyPr wrap="square" rtlCol="0">
+            <a:spAutoFit/>
+          </a:bodyPr>
+          <a:p>
+            <a:r>
+              <a:rPr lang="zh-CN" altLang="en-US" sz="3200" b="1">
+                <a:solidFill>
+                  <a:schemeClr val="accent2"/>
+                </a:solidFill>
+              </a:rPr>
+              <a:t>索引底层数据结构与算法</a:t>
+            </a:r>
+            <a:endParaRPr lang="zh-CN" altLang="en-US" sz="3200" b="1">
+              <a:solidFill>
+                <a:schemeClr val="accent2"/>
+              </a:solidFill>
+            </a:endParaRPr>
+          </a:p>
+        </p:txBody>
+      </p:sp>
+      <p:sp>
+        <p:nvSpPr>
+          <p:cNvPr id="16" name="文本框 15"/>
+          <p:cNvSpPr txBox="1"/>
+          <p:nvPr/>
+        </p:nvSpPr>
+        <p:spPr>
+          <a:xfrm>
+            <a:off x="1054735" y="2025650"/>
+            <a:ext cx="11147425" cy="2245360"/>
+          </a:xfrm>
+          <a:prstGeom prst="rect">
+            <a:avLst/>
+          </a:prstGeom>
+          <a:noFill/>
+        </p:spPr>
+        <p:txBody>
+          <a:bodyPr wrap="square" rtlCol="0">
+            <a:spAutoFit/>
+          </a:bodyPr>
+          <a:p>
+            <a:pPr marL="342900" indent="-342900">
+              <a:buFont typeface="Arial" panose="020B0604020202090204" pitchFamily="34" charset="0"/>
+              <a:buChar char="•"/>
+            </a:pPr>
+            <a:r>
+              <a:rPr lang="zh-CN" altLang="en-US" sz="2000">
+                <a:solidFill>
+                  <a:schemeClr val="tx1"/>
+                </a:solidFill>
+              </a:rPr>
+              <a:t>为什么</a:t>
+            </a:r>
+            <a:r>
+              <a:rPr lang="en-US" altLang="zh-CN" sz="2000">
+                <a:solidFill>
+                  <a:schemeClr val="tx1"/>
+                </a:solidFill>
+              </a:rPr>
+              <a:t>mysql</a:t>
+            </a:r>
+            <a:r>
+              <a:rPr lang="zh-CN" altLang="en-US" sz="2000">
+                <a:solidFill>
+                  <a:schemeClr val="tx1"/>
+                </a:solidFill>
+              </a:rPr>
+              <a:t>页文件默认</a:t>
+            </a:r>
+            <a:r>
+              <a:rPr lang="en-US" altLang="zh-CN" sz="2000">
+                <a:solidFill>
+                  <a:schemeClr val="tx1"/>
+                </a:solidFill>
+              </a:rPr>
+              <a:t>16K?</a:t>
+            </a:r>
+            <a:endParaRPr lang="en-US" altLang="zh-CN" sz="2000">
+              <a:solidFill>
+                <a:schemeClr val="tx1"/>
+              </a:solidFill>
+            </a:endParaRPr>
+          </a:p>
+          <a:p>
+            <a:pPr indent="0">
+              <a:buFont typeface="Arial" panose="020B0604020202090204" pitchFamily="34" charset="0"/>
+              <a:buNone/>
+            </a:pPr>
+            <a:r>
+              <a:rPr lang="zh-CN" altLang="en-US" sz="2000">
+                <a:solidFill>
+                  <a:schemeClr val="tx1"/>
+                </a:solidFill>
+              </a:rPr>
+              <a:t>假如我们一行数据大小为</a:t>
+            </a:r>
+            <a:r>
+              <a:rPr lang="en-US" altLang="zh-CN" sz="2000">
+                <a:solidFill>
+                  <a:schemeClr val="tx1"/>
+                </a:solidFill>
+              </a:rPr>
+              <a:t>1k</a:t>
+            </a:r>
+            <a:r>
+              <a:rPr lang="zh-CN" altLang="en-US" sz="2000">
+                <a:solidFill>
+                  <a:schemeClr val="tx1"/>
+                </a:solidFill>
+              </a:rPr>
+              <a:t>，那么一页就能存</a:t>
+            </a:r>
+            <a:r>
+              <a:rPr lang="en-US" altLang="zh-CN" sz="2000">
+                <a:solidFill>
+                  <a:schemeClr val="tx1"/>
+                </a:solidFill>
+              </a:rPr>
+              <a:t>16</a:t>
+            </a:r>
+            <a:r>
+              <a:rPr lang="zh-CN" altLang="en-US" sz="2000">
+                <a:solidFill>
+                  <a:schemeClr val="tx1"/>
+                </a:solidFill>
+              </a:rPr>
+              <a:t>条数据，也就是一个叶子节点能存</a:t>
+            </a:r>
+            <a:r>
+              <a:rPr lang="en-US" altLang="zh-CN" sz="2000">
+                <a:solidFill>
+                  <a:schemeClr val="tx1"/>
+                </a:solidFill>
+              </a:rPr>
+              <a:t>16</a:t>
+            </a:r>
+            <a:r>
+              <a:rPr lang="zh-CN" altLang="en-US" sz="2000">
+                <a:solidFill>
+                  <a:schemeClr val="tx1"/>
+                </a:solidFill>
+              </a:rPr>
+              <a:t>条数据；</a:t>
+            </a:r>
+            <a:endParaRPr lang="zh-CN" altLang="en-US" sz="2000">
+              <a:solidFill>
+                <a:schemeClr val="tx1"/>
+              </a:solidFill>
+            </a:endParaRPr>
+          </a:p>
+          <a:p>
+            <a:pPr indent="0">
+              <a:buFont typeface="Arial" panose="020B0604020202090204" pitchFamily="34" charset="0"/>
+              <a:buNone/>
+            </a:pPr>
+            <a:r>
+              <a:rPr lang="zh-CN" altLang="en-US" sz="2000">
+                <a:solidFill>
+                  <a:schemeClr val="tx1"/>
+                </a:solidFill>
+              </a:rPr>
+              <a:t>再看非叶节子节点，假设主键</a:t>
+            </a:r>
+            <a:r>
+              <a:rPr lang="en-US" altLang="zh-CN" sz="2000">
+                <a:solidFill>
+                  <a:schemeClr val="tx1"/>
+                </a:solidFill>
+              </a:rPr>
+              <a:t>ID</a:t>
+            </a:r>
+            <a:r>
+              <a:rPr lang="zh-CN" altLang="en-US" sz="2000">
+                <a:solidFill>
+                  <a:schemeClr val="tx1"/>
+                </a:solidFill>
+              </a:rPr>
+              <a:t>为</a:t>
+            </a:r>
+            <a:r>
+              <a:rPr lang="en-US" altLang="zh-CN" sz="2000">
+                <a:solidFill>
+                  <a:schemeClr val="tx1"/>
+                </a:solidFill>
+              </a:rPr>
+              <a:t>bigint</a:t>
+            </a:r>
+            <a:r>
+              <a:rPr lang="zh-CN" altLang="en-US" sz="2000">
+                <a:solidFill>
+                  <a:schemeClr val="tx1"/>
+                </a:solidFill>
+              </a:rPr>
+              <a:t>类型，那么长度为</a:t>
+            </a:r>
+            <a:r>
+              <a:rPr lang="en-US" altLang="zh-CN" sz="2000">
+                <a:solidFill>
+                  <a:schemeClr val="tx1"/>
+                </a:solidFill>
+              </a:rPr>
+              <a:t>8B</a:t>
+            </a:r>
+            <a:r>
+              <a:rPr lang="zh-CN" altLang="en-US" sz="2000">
+                <a:solidFill>
+                  <a:schemeClr val="tx1"/>
+                </a:solidFill>
+              </a:rPr>
+              <a:t>，指针大小在</a:t>
+            </a:r>
+            <a:r>
+              <a:rPr lang="en-US" altLang="zh-CN" sz="2000">
+                <a:solidFill>
+                  <a:schemeClr val="tx1"/>
+                </a:solidFill>
+              </a:rPr>
+              <a:t>Innodb</a:t>
+            </a:r>
+            <a:r>
+              <a:rPr lang="zh-CN" altLang="en-US" sz="2000">
+                <a:solidFill>
+                  <a:schemeClr val="tx1"/>
+                </a:solidFill>
+              </a:rPr>
+              <a:t>源码中为</a:t>
+            </a:r>
+            <a:r>
+              <a:rPr lang="en-US" altLang="zh-CN" sz="2000">
+                <a:solidFill>
+                  <a:schemeClr val="tx1"/>
+                </a:solidFill>
+              </a:rPr>
+              <a:t>6B</a:t>
+            </a:r>
+            <a:r>
+              <a:rPr lang="zh-CN" altLang="en-US" sz="2000">
+                <a:solidFill>
+                  <a:schemeClr val="tx1"/>
+                </a:solidFill>
+              </a:rPr>
+              <a:t>，</a:t>
+            </a:r>
+            <a:endParaRPr lang="zh-CN" altLang="en-US" sz="2000">
+              <a:solidFill>
+                <a:schemeClr val="tx1"/>
+              </a:solidFill>
+            </a:endParaRPr>
+          </a:p>
+          <a:p>
+            <a:pPr indent="0">
+              <a:buFont typeface="Arial" panose="020B0604020202090204" pitchFamily="34" charset="0"/>
+              <a:buNone/>
+            </a:pPr>
+            <a:r>
+              <a:rPr lang="zh-CN" altLang="en-US" sz="2000">
+                <a:solidFill>
+                  <a:schemeClr val="tx1"/>
+                </a:solidFill>
+              </a:rPr>
+              <a:t>一共就是</a:t>
+            </a:r>
+            <a:r>
+              <a:rPr lang="en-US" altLang="zh-CN" sz="2000">
+                <a:solidFill>
+                  <a:schemeClr val="tx1"/>
+                </a:solidFill>
+              </a:rPr>
+              <a:t>14B</a:t>
+            </a:r>
+            <a:r>
+              <a:rPr lang="zh-CN" altLang="en-US" sz="2000">
+                <a:solidFill>
+                  <a:schemeClr val="tx1"/>
+                </a:solidFill>
+              </a:rPr>
+              <a:t>，那么一页里就可以存储</a:t>
+            </a:r>
+            <a:r>
+              <a:rPr lang="en-US" altLang="zh-CN" sz="2000">
+                <a:solidFill>
+                  <a:schemeClr val="tx1"/>
+                </a:solidFill>
+              </a:rPr>
+              <a:t>16K/14=1170</a:t>
+            </a:r>
+            <a:r>
+              <a:rPr lang="zh-CN" altLang="en-US" sz="2000">
+                <a:solidFill>
+                  <a:schemeClr val="tx1"/>
+                </a:solidFill>
+              </a:rPr>
+              <a:t>个（主键</a:t>
+            </a:r>
+            <a:r>
+              <a:rPr lang="en-US" altLang="zh-CN" sz="2000">
+                <a:solidFill>
+                  <a:schemeClr val="tx1"/>
+                </a:solidFill>
+              </a:rPr>
+              <a:t>+</a:t>
+            </a:r>
+            <a:r>
+              <a:rPr lang="zh-CN" altLang="en-US" sz="2000">
+                <a:solidFill>
+                  <a:schemeClr val="tx1"/>
+                </a:solidFill>
+              </a:rPr>
+              <a:t>指针）</a:t>
+            </a:r>
+            <a:endParaRPr lang="zh-CN" altLang="en-US" sz="2000">
+              <a:solidFill>
+                <a:schemeClr val="tx1"/>
+              </a:solidFill>
+            </a:endParaRPr>
+          </a:p>
+          <a:p>
+            <a:pPr indent="0">
+              <a:buFont typeface="Arial" panose="020B0604020202090204" pitchFamily="34" charset="0"/>
+              <a:buNone/>
+            </a:pPr>
+            <a:endParaRPr lang="zh-CN" altLang="en-US" sz="2000">
+              <a:solidFill>
+                <a:schemeClr val="tx1"/>
+              </a:solidFill>
+            </a:endParaRPr>
+          </a:p>
+          <a:p>
+            <a:pPr indent="0">
+              <a:buFont typeface="Arial" panose="020B0604020202090204" pitchFamily="34" charset="0"/>
+              <a:buNone/>
+            </a:pPr>
+            <a:r>
+              <a:rPr lang="zh-CN" altLang="en-US" sz="2000">
+                <a:solidFill>
+                  <a:schemeClr val="tx1"/>
+                </a:solidFill>
+              </a:rPr>
+              <a:t>那么一颗高度为</a:t>
+            </a:r>
+            <a:r>
+              <a:rPr lang="en-US" altLang="zh-CN" sz="2000">
+                <a:solidFill>
+                  <a:schemeClr val="tx1"/>
+                </a:solidFill>
+              </a:rPr>
+              <a:t>2</a:t>
+            </a:r>
+            <a:r>
+              <a:rPr lang="zh-CN" altLang="en-US" sz="2000">
+                <a:solidFill>
+                  <a:schemeClr val="tx1"/>
+                </a:solidFill>
+              </a:rPr>
+              <a:t>的</a:t>
+            </a:r>
+            <a:r>
+              <a:rPr lang="en-US" altLang="zh-CN" sz="2000">
+                <a:solidFill>
+                  <a:schemeClr val="tx1"/>
+                </a:solidFill>
+              </a:rPr>
+              <a:t>B+</a:t>
+            </a:r>
+            <a:r>
+              <a:rPr lang="zh-CN" altLang="en-US" sz="2000">
+                <a:solidFill>
+                  <a:schemeClr val="tx1"/>
+                </a:solidFill>
+              </a:rPr>
+              <a:t>树能存储的数据为：</a:t>
+            </a:r>
+            <a:r>
+              <a:rPr lang="en-US" altLang="zh-CN" sz="2000">
+                <a:solidFill>
+                  <a:schemeClr val="tx1"/>
+                </a:solidFill>
+              </a:rPr>
+              <a:t>1170*16=18720</a:t>
+            </a:r>
+            <a:r>
+              <a:rPr lang="zh-CN" altLang="en-US" sz="2000">
+                <a:solidFill>
+                  <a:schemeClr val="tx1"/>
+                </a:solidFill>
+              </a:rPr>
+              <a:t>条，一颗高度为</a:t>
+            </a:r>
+            <a:r>
+              <a:rPr lang="en-US" altLang="zh-CN" sz="2000">
+                <a:solidFill>
+                  <a:schemeClr val="tx1"/>
+                </a:solidFill>
+              </a:rPr>
+              <a:t>3</a:t>
+            </a:r>
+            <a:r>
+              <a:rPr lang="zh-CN" altLang="en-US" sz="2000">
+                <a:solidFill>
+                  <a:schemeClr val="tx1"/>
+                </a:solidFill>
+              </a:rPr>
+              <a:t>的</a:t>
+            </a:r>
+            <a:r>
+              <a:rPr lang="en-US" altLang="zh-CN" sz="2000">
+                <a:solidFill>
+                  <a:schemeClr val="tx1"/>
+                </a:solidFill>
+              </a:rPr>
+              <a:t>B+</a:t>
+            </a:r>
+            <a:r>
+              <a:rPr lang="zh-CN" altLang="en-US" sz="2000">
+                <a:solidFill>
+                  <a:schemeClr val="tx1"/>
+                </a:solidFill>
+              </a:rPr>
+              <a:t>树能存储的数据为</a:t>
+            </a:r>
+            <a:r>
+              <a:rPr lang="en-US" altLang="zh-CN" sz="2000">
+                <a:solidFill>
+                  <a:schemeClr val="tx1"/>
+                </a:solidFill>
+              </a:rPr>
+              <a:t>1170 * 1170 * 16 = 2190240</a:t>
+            </a:r>
+            <a:r>
+              <a:rPr lang="zh-CN" altLang="en-US" sz="2000">
+                <a:solidFill>
+                  <a:schemeClr val="tx1"/>
+                </a:solidFill>
+              </a:rPr>
+              <a:t>（千万级条）</a:t>
+            </a:r>
+            <a:endParaRPr lang="en-US" altLang="zh-CN" sz="2000">
+              <a:solidFill>
+                <a:schemeClr val="tx1"/>
+              </a:solidFill>
+            </a:endParaRPr>
+          </a:p>
+        </p:txBody>
+      </p:sp>
+    </p:spTree>
+  </p:cSld>
+  <p:clrMapOvr>
+    <a:masterClrMapping/>
+  </p:clrMapOvr>
+</p:sld>
+</file>
+
+<file path=ppt/slides/slide12.xml><?xml version="1.0" encoding="utf-8"?>
+<p:sld xmlns:a="http://schemas.openxmlformats.org/drawingml/2006/main" xmlns:r="http://schemas.openxmlformats.org/officeDocument/2006/relationships" xmlns:p="http://schemas.openxmlformats.org/presentationml/2006/main">
+  <p:cSld>
+    <p:spTree>
+      <p:nvGrpSpPr>
+        <p:cNvPr id="1" name=""/>
+        <p:cNvGrpSpPr/>
+        <p:nvPr/>
+      </p:nvGrpSpPr>
+      <p:grpSpPr/>
+      <p:sp>
+        <p:nvSpPr>
+          <p:cNvPr id="9" name="文本框 8"/>
+          <p:cNvSpPr txBox="1"/>
+          <p:nvPr/>
+        </p:nvSpPr>
+        <p:spPr>
+          <a:xfrm>
+            <a:off x="535940" y="427990"/>
+            <a:ext cx="5657850" cy="583565"/>
+          </a:xfrm>
+          <a:prstGeom prst="rect">
+            <a:avLst/>
+          </a:prstGeom>
+          <a:noFill/>
+        </p:spPr>
+        <p:txBody>
+          <a:bodyPr wrap="square" rtlCol="0">
+            <a:spAutoFit/>
+          </a:bodyPr>
+          <a:p>
+            <a:r>
+              <a:rPr lang="zh-CN" altLang="en-US" sz="3200" b="1">
+                <a:solidFill>
+                  <a:schemeClr val="accent2"/>
+                </a:solidFill>
+              </a:rPr>
+              <a:t>索引底层数据结构与算法</a:t>
+            </a:r>
+            <a:endParaRPr lang="zh-CN" altLang="en-US" sz="3200" b="1">
+              <a:solidFill>
+                <a:schemeClr val="accent2"/>
+              </a:solidFill>
+            </a:endParaRPr>
+          </a:p>
+        </p:txBody>
+      </p:sp>
+      <p:sp>
+        <p:nvSpPr>
+          <p:cNvPr id="16" name="文本框 15"/>
+          <p:cNvSpPr txBox="1"/>
+          <p:nvPr/>
+        </p:nvSpPr>
+        <p:spPr>
+          <a:xfrm>
+            <a:off x="1054735" y="2025650"/>
+            <a:ext cx="11147425" cy="2245360"/>
+          </a:xfrm>
+          <a:prstGeom prst="rect">
+            <a:avLst/>
+          </a:prstGeom>
+          <a:noFill/>
+        </p:spPr>
+        <p:txBody>
+          <a:bodyPr wrap="square" rtlCol="0">
+            <a:spAutoFit/>
+          </a:bodyPr>
+          <a:p>
+            <a:pPr marL="342900" indent="-342900">
+              <a:buFont typeface="Arial" panose="020B0604020202090204" pitchFamily="34" charset="0"/>
+              <a:buChar char="•"/>
+            </a:pPr>
+            <a:r>
+              <a:rPr lang="zh-CN" altLang="en-US" sz="2000">
+                <a:solidFill>
+                  <a:schemeClr val="tx1"/>
+                </a:solidFill>
+              </a:rPr>
+              <a:t>为什么</a:t>
+            </a:r>
+            <a:r>
+              <a:rPr lang="en-US" altLang="zh-CN" sz="2000">
+                <a:solidFill>
+                  <a:schemeClr val="tx1"/>
+                </a:solidFill>
+              </a:rPr>
+              <a:t>mysql</a:t>
+            </a:r>
+            <a:r>
+              <a:rPr lang="zh-CN" altLang="en-US" sz="2000">
+                <a:solidFill>
+                  <a:schemeClr val="tx1"/>
+                </a:solidFill>
+              </a:rPr>
+              <a:t>页文件默认</a:t>
+            </a:r>
+            <a:r>
+              <a:rPr lang="en-US" altLang="zh-CN" sz="2000">
+                <a:solidFill>
+                  <a:schemeClr val="tx1"/>
+                </a:solidFill>
+              </a:rPr>
+              <a:t>16K?</a:t>
+            </a:r>
+            <a:endParaRPr lang="en-US" altLang="zh-CN" sz="2000">
+              <a:solidFill>
+                <a:schemeClr val="tx1"/>
+              </a:solidFill>
+            </a:endParaRPr>
+          </a:p>
+          <a:p>
+            <a:pPr indent="0">
+              <a:buFont typeface="Arial" panose="020B0604020202090204" pitchFamily="34" charset="0"/>
+              <a:buNone/>
+            </a:pPr>
+            <a:r>
+              <a:rPr lang="zh-CN" altLang="en-US" sz="2000">
+                <a:solidFill>
+                  <a:schemeClr val="tx1"/>
+                </a:solidFill>
+              </a:rPr>
+              <a:t>假如我们一行数据大小为</a:t>
+            </a:r>
+            <a:r>
+              <a:rPr lang="en-US" altLang="zh-CN" sz="2000">
+                <a:solidFill>
+                  <a:schemeClr val="tx1"/>
+                </a:solidFill>
+              </a:rPr>
+              <a:t>1k</a:t>
+            </a:r>
+            <a:r>
+              <a:rPr lang="zh-CN" altLang="en-US" sz="2000">
+                <a:solidFill>
+                  <a:schemeClr val="tx1"/>
+                </a:solidFill>
+              </a:rPr>
+              <a:t>，那么一页就能存</a:t>
+            </a:r>
+            <a:r>
+              <a:rPr lang="en-US" altLang="zh-CN" sz="2000">
+                <a:solidFill>
+                  <a:schemeClr val="tx1"/>
+                </a:solidFill>
+              </a:rPr>
+              <a:t>16</a:t>
+            </a:r>
+            <a:r>
+              <a:rPr lang="zh-CN" altLang="en-US" sz="2000">
+                <a:solidFill>
+                  <a:schemeClr val="tx1"/>
+                </a:solidFill>
+              </a:rPr>
+              <a:t>条数据，也就是一个叶子节点能存</a:t>
+            </a:r>
+            <a:r>
+              <a:rPr lang="en-US" altLang="zh-CN" sz="2000">
+                <a:solidFill>
+                  <a:schemeClr val="tx1"/>
+                </a:solidFill>
+              </a:rPr>
+              <a:t>16</a:t>
+            </a:r>
+            <a:r>
+              <a:rPr lang="zh-CN" altLang="en-US" sz="2000">
+                <a:solidFill>
+                  <a:schemeClr val="tx1"/>
+                </a:solidFill>
+              </a:rPr>
+              <a:t>条数据；</a:t>
+            </a:r>
+            <a:endParaRPr lang="zh-CN" altLang="en-US" sz="2000">
+              <a:solidFill>
+                <a:schemeClr val="tx1"/>
+              </a:solidFill>
+            </a:endParaRPr>
+          </a:p>
+          <a:p>
+            <a:pPr indent="0">
+              <a:buFont typeface="Arial" panose="020B0604020202090204" pitchFamily="34" charset="0"/>
+              <a:buNone/>
+            </a:pPr>
+            <a:r>
+              <a:rPr lang="zh-CN" altLang="en-US" sz="2000">
+                <a:solidFill>
+                  <a:schemeClr val="tx1"/>
+                </a:solidFill>
+              </a:rPr>
+              <a:t>再看非叶节子节点，假设主键</a:t>
+            </a:r>
+            <a:r>
+              <a:rPr lang="en-US" altLang="zh-CN" sz="2000">
+                <a:solidFill>
+                  <a:schemeClr val="tx1"/>
+                </a:solidFill>
+              </a:rPr>
+              <a:t>ID</a:t>
+            </a:r>
+            <a:r>
+              <a:rPr lang="zh-CN" altLang="en-US" sz="2000">
+                <a:solidFill>
+                  <a:schemeClr val="tx1"/>
+                </a:solidFill>
+              </a:rPr>
+              <a:t>为</a:t>
+            </a:r>
+            <a:r>
+              <a:rPr lang="en-US" altLang="zh-CN" sz="2000">
+                <a:solidFill>
+                  <a:schemeClr val="tx1"/>
+                </a:solidFill>
+              </a:rPr>
+              <a:t>bigint</a:t>
+            </a:r>
+            <a:r>
+              <a:rPr lang="zh-CN" altLang="en-US" sz="2000">
+                <a:solidFill>
+                  <a:schemeClr val="tx1"/>
+                </a:solidFill>
+              </a:rPr>
+              <a:t>类型，那么长度为</a:t>
+            </a:r>
+            <a:r>
+              <a:rPr lang="en-US" altLang="zh-CN" sz="2000">
+                <a:solidFill>
+                  <a:schemeClr val="tx1"/>
+                </a:solidFill>
+              </a:rPr>
+              <a:t>8B</a:t>
+            </a:r>
+            <a:r>
+              <a:rPr lang="zh-CN" altLang="en-US" sz="2000">
+                <a:solidFill>
+                  <a:schemeClr val="tx1"/>
+                </a:solidFill>
+              </a:rPr>
+              <a:t>，指针大小在</a:t>
+            </a:r>
+            <a:r>
+              <a:rPr lang="en-US" altLang="zh-CN" sz="2000">
+                <a:solidFill>
+                  <a:schemeClr val="tx1"/>
+                </a:solidFill>
+              </a:rPr>
+              <a:t>Innodb</a:t>
+            </a:r>
+            <a:r>
+              <a:rPr lang="zh-CN" altLang="en-US" sz="2000">
+                <a:solidFill>
+                  <a:schemeClr val="tx1"/>
+                </a:solidFill>
+              </a:rPr>
+              <a:t>源码中为</a:t>
+            </a:r>
+            <a:r>
+              <a:rPr lang="en-US" altLang="zh-CN" sz="2000">
+                <a:solidFill>
+                  <a:schemeClr val="tx1"/>
+                </a:solidFill>
+              </a:rPr>
+              <a:t>6B</a:t>
+            </a:r>
+            <a:r>
+              <a:rPr lang="zh-CN" altLang="en-US" sz="2000">
+                <a:solidFill>
+                  <a:schemeClr val="tx1"/>
+                </a:solidFill>
+              </a:rPr>
+              <a:t>，</a:t>
+            </a:r>
+            <a:endParaRPr lang="zh-CN" altLang="en-US" sz="2000">
+              <a:solidFill>
+                <a:schemeClr val="tx1"/>
+              </a:solidFill>
+            </a:endParaRPr>
+          </a:p>
+          <a:p>
+            <a:pPr indent="0">
+              <a:buFont typeface="Arial" panose="020B0604020202090204" pitchFamily="34" charset="0"/>
+              <a:buNone/>
+            </a:pPr>
+            <a:r>
+              <a:rPr lang="zh-CN" altLang="en-US" sz="2000">
+                <a:solidFill>
+                  <a:schemeClr val="tx1"/>
+                </a:solidFill>
+              </a:rPr>
+              <a:t>一共就是</a:t>
+            </a:r>
+            <a:r>
+              <a:rPr lang="en-US" altLang="zh-CN" sz="2000">
+                <a:solidFill>
+                  <a:schemeClr val="tx1"/>
+                </a:solidFill>
+              </a:rPr>
+              <a:t>14B</a:t>
+            </a:r>
+            <a:r>
+              <a:rPr lang="zh-CN" altLang="en-US" sz="2000">
+                <a:solidFill>
+                  <a:schemeClr val="tx1"/>
+                </a:solidFill>
+              </a:rPr>
+              <a:t>，那么一页里就可以存储</a:t>
+            </a:r>
+            <a:r>
+              <a:rPr lang="en-US" altLang="zh-CN" sz="2000">
+                <a:solidFill>
+                  <a:schemeClr val="tx1"/>
+                </a:solidFill>
+              </a:rPr>
+              <a:t>16K/14=1170</a:t>
+            </a:r>
+            <a:r>
+              <a:rPr lang="zh-CN" altLang="en-US" sz="2000">
+                <a:solidFill>
+                  <a:schemeClr val="tx1"/>
+                </a:solidFill>
+              </a:rPr>
+              <a:t>个（主键</a:t>
+            </a:r>
+            <a:r>
+              <a:rPr lang="en-US" altLang="zh-CN" sz="2000">
+                <a:solidFill>
+                  <a:schemeClr val="tx1"/>
+                </a:solidFill>
+              </a:rPr>
+              <a:t>+</a:t>
+            </a:r>
+            <a:r>
+              <a:rPr lang="zh-CN" altLang="en-US" sz="2000">
+                <a:solidFill>
+                  <a:schemeClr val="tx1"/>
+                </a:solidFill>
+              </a:rPr>
+              <a:t>指针）</a:t>
+            </a:r>
+            <a:endParaRPr lang="zh-CN" altLang="en-US" sz="2000">
+              <a:solidFill>
+                <a:schemeClr val="tx1"/>
+              </a:solidFill>
+            </a:endParaRPr>
+          </a:p>
+          <a:p>
+            <a:pPr indent="0">
+              <a:buFont typeface="Arial" panose="020B0604020202090204" pitchFamily="34" charset="0"/>
+              <a:buNone/>
+            </a:pPr>
+            <a:endParaRPr lang="zh-CN" altLang="en-US" sz="2000">
+              <a:solidFill>
+                <a:schemeClr val="tx1"/>
+              </a:solidFill>
+            </a:endParaRPr>
+          </a:p>
+          <a:p>
+            <a:pPr indent="0">
+              <a:buFont typeface="Arial" panose="020B0604020202090204" pitchFamily="34" charset="0"/>
+              <a:buNone/>
+            </a:pPr>
+            <a:r>
+              <a:rPr lang="zh-CN" altLang="en-US" sz="2000">
+                <a:solidFill>
+                  <a:schemeClr val="tx1"/>
+                </a:solidFill>
+              </a:rPr>
+              <a:t>那么一颗高度为</a:t>
+            </a:r>
+            <a:r>
+              <a:rPr lang="en-US" altLang="zh-CN" sz="2000">
+                <a:solidFill>
+                  <a:schemeClr val="tx1"/>
+                </a:solidFill>
+              </a:rPr>
+              <a:t>2</a:t>
+            </a:r>
+            <a:r>
+              <a:rPr lang="zh-CN" altLang="en-US" sz="2000">
+                <a:solidFill>
+                  <a:schemeClr val="tx1"/>
+                </a:solidFill>
+              </a:rPr>
+              <a:t>的</a:t>
+            </a:r>
+            <a:r>
+              <a:rPr lang="en-US" altLang="zh-CN" sz="2000">
+                <a:solidFill>
+                  <a:schemeClr val="tx1"/>
+                </a:solidFill>
+              </a:rPr>
+              <a:t>B+</a:t>
+            </a:r>
+            <a:r>
+              <a:rPr lang="zh-CN" altLang="en-US" sz="2000">
+                <a:solidFill>
+                  <a:schemeClr val="tx1"/>
+                </a:solidFill>
+              </a:rPr>
+              <a:t>树能存储的数据为：</a:t>
+            </a:r>
+            <a:r>
+              <a:rPr lang="en-US" altLang="zh-CN" sz="2000">
+                <a:solidFill>
+                  <a:schemeClr val="tx1"/>
+                </a:solidFill>
+              </a:rPr>
+              <a:t>1170*16=18720</a:t>
+            </a:r>
+            <a:r>
+              <a:rPr lang="zh-CN" altLang="en-US" sz="2000">
+                <a:solidFill>
+                  <a:schemeClr val="tx1"/>
+                </a:solidFill>
+              </a:rPr>
+              <a:t>条，一颗高度为</a:t>
+            </a:r>
+            <a:r>
+              <a:rPr lang="en-US" altLang="zh-CN" sz="2000">
+                <a:solidFill>
+                  <a:schemeClr val="tx1"/>
+                </a:solidFill>
+              </a:rPr>
+              <a:t>3</a:t>
+            </a:r>
+            <a:r>
+              <a:rPr lang="zh-CN" altLang="en-US" sz="2000">
+                <a:solidFill>
+                  <a:schemeClr val="tx1"/>
+                </a:solidFill>
+              </a:rPr>
+              <a:t>的</a:t>
+            </a:r>
+            <a:r>
+              <a:rPr lang="en-US" altLang="zh-CN" sz="2000">
+                <a:solidFill>
+                  <a:schemeClr val="tx1"/>
+                </a:solidFill>
+              </a:rPr>
+              <a:t>B+</a:t>
+            </a:r>
+            <a:r>
+              <a:rPr lang="zh-CN" altLang="en-US" sz="2000">
+                <a:solidFill>
+                  <a:schemeClr val="tx1"/>
+                </a:solidFill>
+              </a:rPr>
+              <a:t>树能存储的数据为</a:t>
+            </a:r>
+            <a:r>
+              <a:rPr lang="en-US" altLang="zh-CN" sz="2000">
+                <a:solidFill>
+                  <a:schemeClr val="tx1"/>
+                </a:solidFill>
+              </a:rPr>
+              <a:t>1170 * 1170 * 16 = 2190240</a:t>
+            </a:r>
+            <a:r>
+              <a:rPr lang="zh-CN" altLang="en-US" sz="2000">
+                <a:solidFill>
+                  <a:schemeClr val="tx1"/>
+                </a:solidFill>
+              </a:rPr>
+              <a:t>（千万级条）</a:t>
+            </a:r>
+            <a:endParaRPr lang="en-US" altLang="zh-CN" sz="2000">
+              <a:solidFill>
+                <a:schemeClr val="tx1"/>
+              </a:solidFill>
+            </a:endParaRPr>
+          </a:p>
+        </p:txBody>
+      </p:sp>
+    </p:spTree>
+  </p:cSld>
+  <p:clrMapOvr>
+    <a:masterClrMapping/>
+  </p:clrMapOvr>
+</p:sld>
+</file>
+
+<file path=ppt/slides/slide13.xml><?xml version="1.0" encoding="utf-8"?>
+<p:sld xmlns:a="http://schemas.openxmlformats.org/drawingml/2006/main" xmlns:r="http://schemas.openxmlformats.org/officeDocument/2006/relationships" xmlns:p="http://schemas.openxmlformats.org/presentationml/2006/main">
+  <p:cSld>
+    <p:spTree>
+      <p:nvGrpSpPr>
+        <p:cNvPr id="1" name=""/>
+        <p:cNvGrpSpPr/>
+        <p:nvPr/>
+      </p:nvGrpSpPr>
+      <p:grpSpPr/>
+      <p:sp>
+        <p:nvSpPr>
+          <p:cNvPr id="9" name="文本框 8"/>
+          <p:cNvSpPr txBox="1"/>
+          <p:nvPr/>
+        </p:nvSpPr>
+        <p:spPr>
+          <a:xfrm>
+            <a:off x="535940" y="427990"/>
+            <a:ext cx="5657850" cy="583565"/>
+          </a:xfrm>
+          <a:prstGeom prst="rect">
+            <a:avLst/>
+          </a:prstGeom>
+          <a:noFill/>
+        </p:spPr>
+        <p:txBody>
+          <a:bodyPr wrap="square" rtlCol="0">
+            <a:spAutoFit/>
+          </a:bodyPr>
+          <a:p>
+            <a:r>
+              <a:rPr lang="zh-CN" altLang="en-US" sz="3200" b="1">
+                <a:solidFill>
+                  <a:schemeClr val="accent2"/>
+                </a:solidFill>
+              </a:rPr>
               <a:t>索引最左前缀原理？</a:t>
             </a:r>
             <a:endParaRPr lang="zh-CN" altLang="en-US" sz="3200" b="1">
@@ -2993,12 +4203,20 @@
           </a:bodyPr>
           <a:p>
             <a:r>
+              <a:rPr lang="en-US" sz="3200" b="1">
+                <a:solidFill>
+                  <a:schemeClr val="accent2"/>
+                </a:solidFill>
+              </a:rPr>
+              <a:t>MySQL</a:t>
+            </a:r>
+            <a:r>
               <a:rPr lang="zh-CN" altLang="en-US" sz="3200" b="1">
                 <a:solidFill>
                   <a:schemeClr val="accent2"/>
                 </a:solidFill>
               </a:rPr>
-              <a:t>索引到底是什么</a:t>
+              <a:t>优化</a:t>
             </a:r>
             <a:endParaRPr lang="zh-CN" altLang="en-US" sz="3200" b="1">
               <a:solidFill>
@@ -3016,8 +4234,8 @@
         </p:nvSpPr>
         <p:spPr>
           <a:xfrm>
-            <a:off x="535940" y="1462405"/>
-            <a:ext cx="10937240" cy="1198880"/>
+            <a:off x="1614805" y="2280920"/>
+            <a:ext cx="9603105" cy="2061210"/>
           </a:xfrm>
           <a:prstGeom prst="rect">
             <a:avLst/>
@@ -3034,57 +4252,17 @@
               <a:buChar char="•"/>
             </a:pPr>
             <a:r>
-              <a:rPr lang="zh-CN" altLang="en-US" sz="2400">
-                <a:solidFill>
-                  <a:srgbClr val="FF0000"/>
-                </a:solidFill>
-              </a:rPr>
-              <a:t>索引</a:t>
-            </a:r>
-            <a:r>
-              <a:rPr lang="zh-CN" altLang="en-US" sz="2400"/>
-              <a:t>是帮助</a:t>
-            </a:r>
-            <a:r>
-              <a:rPr lang="en-US" altLang="zh-CN" sz="2400"/>
-              <a:t>MySQL</a:t>
-            </a:r>
-            <a:r>
-              <a:rPr lang="zh-CN" altLang="en-US" sz="2400"/>
-              <a:t>高效获取数据的</a:t>
-            </a:r>
-            <a:r>
-              <a:rPr lang="zh-CN" altLang="en-US" sz="2400">
-                <a:solidFill>
-                  <a:srgbClr val="FF0000"/>
-                </a:solidFill>
-              </a:rPr>
-              <a:t>排好序</a:t>
-            </a:r>
-            <a:r>
-              <a:rPr lang="zh-CN" altLang="en-US" sz="2400"/>
-              <a:t>的</a:t>
-            </a:r>
-            <a:r>
-              <a:rPr lang="zh-CN" altLang="en-US" sz="2400">
-                <a:solidFill>
-                  <a:srgbClr val="FF0000"/>
-                </a:solidFill>
-              </a:rPr>
-              <a:t>数据结构</a:t>
-            </a:r>
-            <a:endParaRPr lang="zh-CN" altLang="en-US" sz="2400"/>
+              <a:rPr lang="zh-CN" altLang="en-US" sz="3200"/>
+              <a:t>正确的创建合适的索引是数据库优化的基础</a:t>
+            </a:r>
+            <a:endParaRPr lang="zh-CN" altLang="en-US" sz="3200"/>
           </a:p>
           <a:p>
             <a:pPr marL="285750" indent="-285750">
               <a:buFont typeface="Arial" panose="020B0604020202090204" pitchFamily="34" charset="0"/>
               <a:buChar char="•"/>
             </a:pPr>
-            <a:r>
-              <a:rPr lang="zh-CN" altLang="en-US" sz="2400"/>
-              <a:t>索引存储在文件里</a:t>
-            </a:r>
-            <a:endParaRPr lang="zh-CN" altLang="en-US" sz="2400"/>
+            <a:endParaRPr lang="zh-CN" altLang="en-US" sz="3200"/>
           </a:p>
           <a:p>
             <a:pPr marL="285750" indent="-285750">
@@ -3092,23 +4270,23 @@
               <a:buChar char="•"/>
             </a:pPr>
             <a:r>
-              <a:rPr lang="zh-CN" altLang="en-US" sz="2400"/>
-              <a:t>索引结构</a:t>
-            </a:r>
-            <a:endParaRPr lang="zh-CN" altLang="en-US" sz="2400"/>
-          </a:p>
-        </p:txBody>
-      </p:sp>
-      <p:sp>
-        <p:nvSpPr>
-          <p:cNvPr id="16" name="文本框 15"/>
+              <a:rPr lang="zh-CN" altLang="en-US" sz="3200"/>
+              <a:t>索引是为了加速对表中数据行的检索而创建的一种分散存储的数据结构</a:t>
+            </a:r>
+            <a:endParaRPr lang="zh-CN" altLang="en-US" sz="3200"/>
+          </a:p>
+        </p:txBody>
+      </p:sp>
+      <p:sp>
+        <p:nvSpPr>
+          <p:cNvPr id="2" name="文本框 1"/>
           <p:cNvSpPr txBox="1"/>
           <p:nvPr/>
         </p:nvSpPr>
         <p:spPr>
           <a:xfrm>
-            <a:off x="667385" y="4717415"/>
-            <a:ext cx="11147425" cy="1568450"/>
+            <a:off x="1614805" y="5043170"/>
+            <a:ext cx="5913755" cy="368300"/>
           </a:xfrm>
           <a:prstGeom prst="rect">
             <a:avLst/>
@@ -3120,133 +4298,26 @@
             <a:spAutoFit/>
           </a:bodyPr>
           <a:p>
-            <a:pPr marL="285750" indent="-285750">
-              <a:buFont typeface="Arial" panose="020B0604020202090204" pitchFamily="34" charset="0"/>
-              <a:buChar char="•"/>
-            </a:pPr>
-            <a:r>
-              <a:rPr lang="zh-CN" altLang="en-US" sz="2400"/>
-              <a:t>二叉树：</a:t>
-            </a:r>
-            <a:r>
-              <a:rPr lang="zh-CN" altLang="en-US" sz="2000"/>
-              <a:t>存在单增长问题</a:t>
-            </a:r>
-            <a:endParaRPr lang="zh-CN" altLang="en-US" sz="2000"/>
-          </a:p>
-          <a:p>
-            <a:pPr marL="285750" indent="-285750">
-              <a:buFont typeface="Arial" panose="020B0604020202090204" pitchFamily="34" charset="0"/>
-              <a:buChar char="•"/>
-            </a:pPr>
-            <a:r>
-              <a:rPr lang="zh-CN" altLang="en-US" sz="2400"/>
-              <a:t>红黑树：</a:t>
-            </a:r>
-            <a:r>
-              <a:rPr lang="zh-CN" altLang="en-US" sz="2000"/>
-              <a:t>深度不可控，可能过深，磁盘</a:t>
-            </a:r>
-            <a:r>
-              <a:rPr lang="en-US" altLang="zh-CN" sz="2000"/>
-              <a:t>IO</a:t>
-            </a:r>
-            <a:r>
-              <a:rPr lang="zh-CN" altLang="en-US" sz="2000"/>
-              <a:t>过多，性能过低</a:t>
-            </a:r>
-            <a:endParaRPr lang="zh-CN" altLang="en-US" sz="2000"/>
-          </a:p>
-          <a:p>
-            <a:pPr marL="285750" indent="-285750">
-              <a:buFont typeface="Arial" panose="020B0604020202090204" pitchFamily="34" charset="0"/>
-              <a:buChar char="•"/>
-            </a:pPr>
-            <a:r>
-              <a:rPr lang="en-US" altLang="zh-CN" sz="2400"/>
-              <a:t>HASH</a:t>
-            </a:r>
-            <a:r>
-              <a:rPr lang="zh-CN" altLang="en-US" sz="2400"/>
-              <a:t>：</a:t>
-            </a:r>
-            <a:r>
-              <a:rPr lang="zh-CN" altLang="en-US" sz="2000"/>
-              <a:t>只有一次</a:t>
-            </a:r>
-            <a:r>
-              <a:rPr lang="en-US" altLang="zh-CN" sz="2000"/>
-              <a:t>io</a:t>
-            </a:r>
-            <a:r>
-              <a:rPr lang="zh-CN" altLang="en-US" sz="2000"/>
-              <a:t>即可，查询较快；但是不能做范围查找，</a:t>
-            </a:r>
-            <a:endParaRPr lang="en-US" altLang="zh-CN" sz="2000"/>
-          </a:p>
-          <a:p>
-            <a:pPr marL="285750" indent="-285750">
-              <a:buFont typeface="Arial" panose="020B0604020202090204" pitchFamily="34" charset="0"/>
-              <a:buChar char="•"/>
-            </a:pPr>
-            <a:r>
-              <a:rPr lang="en-US" altLang="zh-CN" sz="2400">
-                <a:solidFill>
-                  <a:srgbClr val="FF0000"/>
-                </a:solidFill>
-              </a:rPr>
-              <a:t>BTREE</a:t>
-            </a:r>
-            <a:r>
-              <a:rPr lang="zh-CN" altLang="en-US" sz="2400">
-                <a:solidFill>
-                  <a:srgbClr val="FF0000"/>
-                </a:solidFill>
-              </a:rPr>
-              <a:t>：</a:t>
-            </a:r>
-            <a:r>
-              <a:rPr lang="zh-CN" altLang="en-US" sz="2000">
-                <a:solidFill>
-                  <a:srgbClr val="FF0000"/>
-                </a:solidFill>
-              </a:rPr>
-              <a:t>多路平衡树，每层节点横向扩增，存储更多的索引。最终达到千万级数据快速查询</a:t>
-            </a:r>
-            <a:endParaRPr lang="zh-CN" altLang="en-US" sz="2000">
-              <a:solidFill>
-                <a:srgbClr val="FF0000"/>
-              </a:solidFill>
-            </a:endParaRPr>
-          </a:p>
-        </p:txBody>
-      </p:sp>
-      <p:pic>
-        <p:nvPicPr>
-          <p:cNvPr id="17" name="图片 16"/>
-          <p:cNvPicPr>
-            <a:picLocks noChangeAspect="1"/>
-          </p:cNvPicPr>
-          <p:nvPr/>
-        </p:nvPicPr>
-        <p:blipFill>
-          <a:blip r:embed="rId1"/>
-          <a:srcRect l="2213" t="3626" r="1712"/>
-          <a:stretch>
-            <a:fillRect/>
-          </a:stretch>
-        </p:blipFill>
-        <p:spPr>
-          <a:xfrm>
-            <a:off x="5702935" y="1906905"/>
-            <a:ext cx="5901690" cy="2810510"/>
-          </a:xfrm>
-          <a:prstGeom prst="rect">
-            <a:avLst/>
-          </a:prstGeom>
-        </p:spPr>
-      </p:pic>
+            <a:r>
+              <a:rPr lang="zh-CN" altLang="en-US"/>
+              <a:t>在</a:t>
+            </a:r>
+            <a:r>
+              <a:rPr lang="en-US" altLang="zh-CN"/>
+              <a:t>RDBMS</a:t>
+            </a:r>
+            <a:r>
+              <a:rPr lang="zh-CN" altLang="en-US"/>
+              <a:t>系统中数据的索引都是硬盘级索引</a:t>
+            </a:r>
+            <a:endParaRPr lang="zh-CN" altLang="en-US"/>
+          </a:p>
+        </p:txBody>
+      </p:sp>
     </p:spTree>
+    <p:custDataLst>
+      <p:tags r:id="rId1"/>
+    </p:custDataLst>
   </p:cSld>
   <p:clrMapOvr>
     <a:masterClrMapping/>
@@ -3286,12 +4357,20 @@
           </a:bodyPr>
           <a:p>
             <a:r>
+              <a:rPr lang="en-US" sz="3200" b="1">
+                <a:solidFill>
+                  <a:schemeClr val="accent2"/>
+                </a:solidFill>
+              </a:rPr>
+              <a:t>MySQL</a:t>
+            </a:r>
+            <a:r>
               <a:rPr lang="zh-CN" altLang="en-US" sz="3200" b="1">
                 <a:solidFill>
                   <a:schemeClr val="accent2"/>
                 </a:solidFill>
               </a:rPr>
-              <a:t>索引底层数据结构与算法</a:t>
+              <a:t>优化</a:t>
             </a:r>
             <a:endParaRPr lang="zh-CN" altLang="en-US" sz="3200" b="1">
               <a:solidFill>
@@ -3309,8 +4388,8 @@
         </p:nvSpPr>
         <p:spPr>
           <a:xfrm>
-            <a:off x="535940" y="1462405"/>
-            <a:ext cx="10937240" cy="460375"/>
+            <a:off x="1614805" y="2280920"/>
+            <a:ext cx="9603105" cy="2553335"/>
           </a:xfrm>
           <a:prstGeom prst="rect">
             <a:avLst/>
@@ -3327,83 +4406,29 @@
               <a:buChar char="•"/>
             </a:pPr>
             <a:r>
-              <a:rPr lang="en-US" altLang="zh-CN" sz="2400">
-                <a:solidFill>
-                  <a:srgbClr val="FF0000"/>
-                </a:solidFill>
-              </a:rPr>
-              <a:t>B-Tree</a:t>
-            </a:r>
-            <a:endParaRPr lang="en-US" altLang="zh-CN" sz="2400">
-              <a:solidFill>
-                <a:srgbClr val="FF0000"/>
-              </a:solidFill>
-            </a:endParaRPr>
-          </a:p>
-        </p:txBody>
-      </p:sp>
-      <p:sp>
-        <p:nvSpPr>
-          <p:cNvPr id="16" name="文本框 15"/>
-          <p:cNvSpPr txBox="1"/>
-          <p:nvPr/>
-        </p:nvSpPr>
-        <p:spPr>
-          <a:xfrm>
-            <a:off x="1054735" y="2025650"/>
-            <a:ext cx="11147425" cy="1322070"/>
-          </a:xfrm>
-          <a:prstGeom prst="rect">
-            <a:avLst/>
-          </a:prstGeom>
-          <a:noFill/>
-        </p:spPr>
-        <p:txBody>
-          <a:bodyPr wrap="square" rtlCol="0">
-            <a:spAutoFit/>
-          </a:bodyPr>
+              <a:rPr lang="zh-CN" altLang="en-US" sz="3200"/>
+              <a:t>全表扫描：复杂度</a:t>
+            </a:r>
+            <a:r>
+              <a:rPr lang="en-US" altLang="zh-CN" sz="3200"/>
+              <a:t>O(n)</a:t>
+            </a:r>
+            <a:endParaRPr lang="en-US" altLang="zh-CN" sz="3200"/>
+          </a:p>
           <a:p>
             <a:pPr marL="285750" indent="-285750">
               <a:buFont typeface="Arial" panose="020B0604020202090204" pitchFamily="34" charset="0"/>
               <a:buChar char="•"/>
             </a:pPr>
             <a:r>
-              <a:rPr lang="zh-CN" altLang="en-US" sz="2000">
-                <a:solidFill>
-                  <a:srgbClr val="FF0000"/>
-                </a:solidFill>
-              </a:rPr>
-              <a:t>度（</a:t>
-            </a:r>
-            <a:r>
-              <a:rPr lang="en-US" altLang="zh-CN" sz="2000">
-                <a:solidFill>
-                  <a:srgbClr val="FF0000"/>
-                </a:solidFill>
-              </a:rPr>
-              <a:t>Degree)</a:t>
-            </a:r>
-            <a:r>
-              <a:rPr lang="en-US" altLang="zh-CN" sz="2000">
-                <a:solidFill>
-                  <a:schemeClr val="tx1"/>
-                </a:solidFill>
-              </a:rPr>
-              <a:t>-</a:t>
-            </a:r>
-            <a:r>
-              <a:rPr lang="zh-CN" altLang="en-US" sz="2000">
-                <a:solidFill>
-                  <a:schemeClr val="tx1"/>
-                </a:solidFill>
-              </a:rPr>
-              <a:t>节点的数据存储个数</a:t>
-            </a:r>
-            <a:endParaRPr lang="zh-CN" altLang="en-US" sz="2000">
-              <a:solidFill>
-                <a:schemeClr val="tx1"/>
-              </a:solidFill>
-            </a:endParaRPr>
+              <a:rPr lang="zh-CN" altLang="en-US" sz="3200"/>
+              <a:t>数组扫描：复杂度</a:t>
+            </a:r>
+            <a:r>
+              <a:rPr lang="en-US" altLang="zh-CN" sz="3200"/>
+              <a:t>O(1)</a:t>
+            </a:r>
+            <a:endParaRPr lang="en-US" altLang="zh-CN" sz="3200"/>
           </a:p>
           <a:p>
             <a:pPr marL="285750" indent="-285750">
@@ -3411,133 +4436,51 @@
               <a:buChar char="•"/>
             </a:pPr>
             <a:r>
-              <a:rPr lang="zh-CN" altLang="en-US" sz="2000">
-                <a:solidFill>
-                  <a:schemeClr val="tx1"/>
-                </a:solidFill>
-              </a:rPr>
-              <a:t>叶节点具有</a:t>
-            </a:r>
-            <a:r>
-              <a:rPr lang="zh-CN" altLang="en-US" sz="2000">
-                <a:solidFill>
-                  <a:srgbClr val="FF0000"/>
-                </a:solidFill>
-              </a:rPr>
-              <a:t>相同</a:t>
-            </a:r>
-            <a:r>
-              <a:rPr lang="zh-CN" altLang="en-US" sz="2000">
-                <a:solidFill>
-                  <a:schemeClr val="tx1"/>
-                </a:solidFill>
-              </a:rPr>
-              <a:t>的深度</a:t>
-            </a:r>
-            <a:endParaRPr lang="zh-CN" altLang="en-US" sz="2000">
-              <a:solidFill>
-                <a:schemeClr val="tx1"/>
-              </a:solidFill>
-            </a:endParaRPr>
-          </a:p>
-          <a:p>
-            <a:pPr marL="285750" indent="-285750">
+              <a:rPr lang="en-US" altLang="zh-CN" sz="3200"/>
+              <a:t>hash</a:t>
+            </a:r>
+            <a:r>
+              <a:rPr lang="zh-CN" altLang="en-US" sz="3200"/>
+              <a:t>索引优劣势是什么？</a:t>
+            </a:r>
+            <a:endParaRPr lang="zh-CN" altLang="en-US" sz="3200"/>
+          </a:p>
+          <a:p>
+            <a:pPr marL="742950" lvl="1" indent="-285750">
               <a:buFont typeface="Arial" panose="020B0604020202090204" pitchFamily="34" charset="0"/>
               <a:buChar char="•"/>
             </a:pPr>
             <a:r>
-              <a:rPr lang="zh-CN" altLang="en-US" sz="2000">
-                <a:solidFill>
-                  <a:schemeClr val="tx1"/>
-                </a:solidFill>
-              </a:rPr>
-              <a:t>叶节点的指针为空</a:t>
-            </a:r>
-            <a:endParaRPr lang="zh-CN" altLang="en-US" sz="2000">
-              <a:solidFill>
-                <a:schemeClr val="tx1"/>
-              </a:solidFill>
-            </a:endParaRPr>
-          </a:p>
-          <a:p>
-            <a:pPr marL="285750" indent="-285750">
+              <a:rPr lang="zh-CN" altLang="en-US" sz="3200"/>
+              <a:t>查询快；</a:t>
+            </a:r>
+            <a:r>
+              <a:rPr lang="en-US" altLang="zh-CN" sz="3200"/>
+              <a:t>hash</a:t>
+            </a:r>
+            <a:r>
+              <a:rPr lang="zh-CN" altLang="en-US" sz="3200"/>
+              <a:t>冲突</a:t>
+            </a:r>
+            <a:endParaRPr lang="zh-CN" altLang="en-US" sz="3200"/>
+          </a:p>
+          <a:p>
+            <a:pPr marL="742950" lvl="1" indent="-285750">
               <a:buFont typeface="Arial" panose="020B0604020202090204" pitchFamily="34" charset="0"/>
               <a:buChar char="•"/>
             </a:pPr>
             <a:r>
-              <a:rPr lang="zh-CN" altLang="en-US" sz="2000">
-                <a:solidFill>
-                  <a:schemeClr val="tx1"/>
-                </a:solidFill>
-              </a:rPr>
-              <a:t>节点中的数据</a:t>
-            </a:r>
-            <a:r>
-              <a:rPr lang="en-US" altLang="zh-CN" sz="2000">
-                <a:solidFill>
-                  <a:srgbClr val="FF0000"/>
-                </a:solidFill>
-              </a:rPr>
-              <a:t>key</a:t>
-            </a:r>
-            <a:r>
-              <a:rPr lang="zh-CN" altLang="en-US" sz="2000">
-                <a:solidFill>
-                  <a:schemeClr val="tx1"/>
-                </a:solidFill>
-              </a:rPr>
-              <a:t>从左到右</a:t>
-            </a:r>
-            <a:r>
-              <a:rPr lang="zh-CN" altLang="en-US" sz="2000">
-                <a:solidFill>
-                  <a:srgbClr val="FF0000"/>
-                </a:solidFill>
-              </a:rPr>
-              <a:t>递增</a:t>
-            </a:r>
-            <a:r>
-              <a:rPr lang="zh-CN" altLang="en-US" sz="2000">
-                <a:solidFill>
-                  <a:schemeClr val="tx1"/>
-                </a:solidFill>
-              </a:rPr>
-              <a:t>排列</a:t>
-            </a:r>
-            <a:endParaRPr lang="zh-CN" altLang="en-US" sz="2000">
-              <a:solidFill>
-                <a:schemeClr val="tx1"/>
-              </a:solidFill>
-            </a:endParaRPr>
-          </a:p>
-        </p:txBody>
-      </p:sp>
-      <p:pic>
-        <p:nvPicPr>
-          <p:cNvPr id="2" name="图片 1"/>
-          <p:cNvPicPr>
-            <a:picLocks noChangeAspect="1"/>
-          </p:cNvPicPr>
-          <p:nvPr/>
-        </p:nvPicPr>
-        <p:blipFill>
-          <a:blip r:embed="rId1"/>
-          <a:srcRect t="47165" b="8018"/>
-          <a:stretch>
-            <a:fillRect/>
-          </a:stretch>
-        </p:blipFill>
-        <p:spPr>
-          <a:xfrm>
-            <a:off x="1054735" y="3832225"/>
-            <a:ext cx="10203815" cy="2554605"/>
-          </a:xfrm>
-          <a:prstGeom prst="rect">
-            <a:avLst/>
-          </a:prstGeom>
-        </p:spPr>
-      </p:pic>
+              <a:rPr lang="zh-CN" altLang="en-US" sz="3200"/>
+              <a:t>不支持范围查询</a:t>
+            </a:r>
+            <a:endParaRPr lang="zh-CN" altLang="en-US" sz="3200"/>
+          </a:p>
+        </p:txBody>
+      </p:sp>
     </p:spTree>
+    <p:custDataLst>
+      <p:tags r:id="rId1"/>
+    </p:custDataLst>
   </p:cSld>
   <p:clrMapOvr>
     <a:masterClrMapping/>
@@ -3582,7 +4525,7 @@
                   <a:schemeClr val="accent2"/>
                 </a:solidFill>
               </a:rPr>
-              <a:t>索引底层数据结构与算法</a:t>
+              <a:t>二叉树</a:t>
             </a:r>
             <a:endParaRPr lang="zh-CN" altLang="en-US" sz="3200" b="1">
               <a:solidFill>
@@ -3600,8 +4543,8 @@
         </p:nvSpPr>
         <p:spPr>
           <a:xfrm>
-            <a:off x="535940" y="1462405"/>
-            <a:ext cx="10937240" cy="460375"/>
+            <a:off x="5420360" y="1968500"/>
+            <a:ext cx="6060440" cy="2553335"/>
           </a:xfrm>
           <a:prstGeom prst="rect">
             <a:avLst/>
@@ -3613,280 +4556,342 @@
             <a:spAutoFit/>
           </a:bodyPr>
           <a:p>
-            <a:pPr marL="285750" indent="-285750">
+            <a:pPr indent="0">
               <a:buFont typeface="Arial" panose="020B0604020202090204" pitchFamily="34" charset="0"/>
-              <a:buChar char="•"/>
+              <a:buNone/>
             </a:pPr>
             <a:r>
-              <a:rPr lang="en-US" altLang="zh-CN" sz="2400">
-                <a:solidFill>
-                  <a:srgbClr val="FF0000"/>
-                </a:solidFill>
-              </a:rPr>
-              <a:t>B+Tree (B-Tree</a:t>
-            </a:r>
-            <a:r>
-              <a:rPr lang="zh-CN" altLang="en-US" sz="2400">
-                <a:solidFill>
-                  <a:srgbClr val="FF0000"/>
-                </a:solidFill>
-              </a:rPr>
-              <a:t>变种</a:t>
-            </a:r>
-            <a:r>
-              <a:rPr lang="en-US" altLang="zh-CN" sz="2400">
-                <a:solidFill>
-                  <a:srgbClr val="FF0000"/>
-                </a:solidFill>
-              </a:rPr>
-              <a:t>)</a:t>
-            </a:r>
-            <a:endParaRPr lang="en-US" altLang="zh-CN" sz="2400">
-              <a:solidFill>
-                <a:srgbClr val="FF0000"/>
-              </a:solidFill>
-            </a:endParaRPr>
-          </a:p>
-        </p:txBody>
-      </p:sp>
-      <p:sp>
-        <p:nvSpPr>
-          <p:cNvPr id="16" name="文本框 15"/>
-          <p:cNvSpPr txBox="1"/>
+              <a:rPr lang="zh-CN" altLang="en-US" sz="3200"/>
+              <a:t>这是不是一颗二叉树？</a:t>
+            </a:r>
+            <a:endParaRPr lang="zh-CN" altLang="en-US" sz="3200"/>
+          </a:p>
+          <a:p>
+            <a:pPr indent="0">
+              <a:buFont typeface="Arial" panose="020B0604020202090204" pitchFamily="34" charset="0"/>
+              <a:buNone/>
+            </a:pPr>
+            <a:endParaRPr lang="zh-CN" altLang="en-US" sz="3200"/>
+          </a:p>
+          <a:p>
+            <a:pPr indent="0">
+              <a:buFont typeface="Arial" panose="020B0604020202090204" pitchFamily="34" charset="0"/>
+              <a:buNone/>
+            </a:pPr>
+            <a:r>
+              <a:rPr lang="zh-CN" altLang="en-US" sz="3200"/>
+              <a:t>是一颗单边增长二叉树</a:t>
+            </a:r>
+            <a:endParaRPr lang="zh-CN" altLang="en-US" sz="3200"/>
+          </a:p>
+          <a:p>
+            <a:pPr indent="0">
+              <a:buFont typeface="Arial" panose="020B0604020202090204" pitchFamily="34" charset="0"/>
+              <a:buNone/>
+            </a:pPr>
+            <a:endParaRPr lang="zh-CN" altLang="en-US" sz="3200"/>
+          </a:p>
+          <a:p>
+            <a:pPr indent="0">
+              <a:buFont typeface="Arial" panose="020B0604020202090204" pitchFamily="34" charset="0"/>
+              <a:buNone/>
+            </a:pPr>
+            <a:r>
+              <a:rPr lang="zh-CN" altLang="en-US" sz="3200"/>
+              <a:t>查找复杂度：</a:t>
+            </a:r>
+            <a:r>
+              <a:rPr lang="en-US" altLang="zh-CN" sz="3200"/>
+              <a:t>O(n)</a:t>
+            </a:r>
+            <a:endParaRPr lang="en-US" altLang="zh-CN" sz="3200"/>
+          </a:p>
+        </p:txBody>
+      </p:sp>
+      <p:sp>
+        <p:nvSpPr>
+          <p:cNvPr id="2" name="椭圆 1"/>
+          <p:cNvSpPr/>
           <p:nvPr/>
         </p:nvSpPr>
         <p:spPr>
           <a:xfrm>
-            <a:off x="1054735" y="2025650"/>
-            <a:ext cx="11147425" cy="1014730"/>
-          </a:xfrm>
-          <a:prstGeom prst="rect">
+            <a:off x="1053465" y="1451610"/>
+            <a:ext cx="914400" cy="914400"/>
+          </a:xfrm>
+          <a:prstGeom prst="ellipse">
             <a:avLst/>
           </a:prstGeom>
-          <a:noFill/>
-        </p:spPr>
-        <p:txBody>
-          <a:bodyPr wrap="square" rtlCol="0">
-            <a:spAutoFit/>
-          </a:bodyPr>
-          <a:p>
-            <a:pPr marL="342900" indent="-342900">
-              <a:buFont typeface="Arial" panose="020B0604020202090204" pitchFamily="34" charset="0"/>
-              <a:buChar char="•"/>
-            </a:pPr>
-            <a:r>
-              <a:rPr lang="zh-CN" altLang="en-US" sz="2000">
-                <a:solidFill>
-                  <a:schemeClr val="tx1"/>
-                </a:solidFill>
-              </a:rPr>
-              <a:t>非叶子节点不存储</a:t>
-            </a:r>
-            <a:r>
-              <a:rPr lang="en-US" altLang="zh-CN" sz="2000">
-                <a:solidFill>
-                  <a:schemeClr val="tx1"/>
-                </a:solidFill>
-              </a:rPr>
-              <a:t>data</a:t>
-            </a:r>
-            <a:r>
-              <a:rPr lang="zh-CN" altLang="en-US" sz="2000">
-                <a:solidFill>
-                  <a:schemeClr val="tx1"/>
-                </a:solidFill>
-              </a:rPr>
-              <a:t>，只存储</a:t>
-            </a:r>
-            <a:r>
-              <a:rPr lang="en-US" altLang="zh-CN" sz="2000">
-                <a:solidFill>
-                  <a:schemeClr val="tx1"/>
-                </a:solidFill>
-              </a:rPr>
-              <a:t>key</a:t>
-            </a:r>
-            <a:r>
-              <a:rPr lang="zh-CN" altLang="en-US" sz="2000">
-                <a:solidFill>
-                  <a:schemeClr val="tx1"/>
-                </a:solidFill>
-              </a:rPr>
-              <a:t>，</a:t>
-            </a:r>
-            <a:r>
-              <a:rPr lang="zh-CN" altLang="en-US" sz="2000">
-                <a:solidFill>
-                  <a:srgbClr val="FF0000"/>
-                </a:solidFill>
-              </a:rPr>
-              <a:t>可以增大度</a:t>
-            </a:r>
-            <a:endParaRPr lang="zh-CN" altLang="en-US" sz="2000">
-              <a:solidFill>
-                <a:srgbClr val="FF0000"/>
-              </a:solidFill>
-            </a:endParaRPr>
-          </a:p>
-          <a:p>
-            <a:pPr marL="342900" indent="-342900">
-              <a:buFont typeface="Arial" panose="020B0604020202090204" pitchFamily="34" charset="0"/>
-              <a:buChar char="•"/>
-            </a:pPr>
-            <a:r>
-              <a:rPr lang="zh-CN" altLang="en-US" sz="2000">
-                <a:solidFill>
-                  <a:schemeClr val="tx1"/>
-                </a:solidFill>
-              </a:rPr>
-              <a:t>叶子节点不存储指针</a:t>
-            </a:r>
-            <a:endParaRPr lang="zh-CN" altLang="en-US" sz="2000">
-              <a:solidFill>
-                <a:schemeClr val="tx1"/>
-              </a:solidFill>
-            </a:endParaRPr>
-          </a:p>
-          <a:p>
-            <a:pPr marL="342900" indent="-342900">
-              <a:buFont typeface="Arial" panose="020B0604020202090204" pitchFamily="34" charset="0"/>
-              <a:buChar char="•"/>
-            </a:pPr>
-            <a:r>
-              <a:rPr lang="zh-CN" altLang="en-US" sz="2000">
-                <a:solidFill>
-                  <a:schemeClr val="tx1"/>
-                </a:solidFill>
-              </a:rPr>
-              <a:t>顺序该问指针，提高区间访问的性能</a:t>
-            </a:r>
-            <a:endParaRPr lang="zh-CN" altLang="en-US" sz="2000">
-              <a:solidFill>
-                <a:schemeClr val="tx1"/>
-              </a:solidFill>
-            </a:endParaRPr>
-          </a:p>
-        </p:txBody>
-      </p:sp>
-      <p:pic>
-        <p:nvPicPr>
-          <p:cNvPr id="3" name="图片 2"/>
-          <p:cNvPicPr>
-            <a:picLocks noChangeAspect="1"/>
-          </p:cNvPicPr>
+        </p:spPr>
+        <p:style>
+          <a:lnRef idx="2">
+            <a:schemeClr val="accent1">
+              <a:shade val="50000"/>
+            </a:schemeClr>
+          </a:lnRef>
+          <a:fillRef idx="1">
+            <a:schemeClr val="accent1"/>
+          </a:fillRef>
+          <a:effectRef idx="0">
+            <a:schemeClr val="accent1"/>
+          </a:effectRef>
+          <a:fontRef idx="minor">
+            <a:schemeClr val="lt1"/>
+          </a:fontRef>
+        </p:style>
+        <p:txBody>
+          <a:bodyPr rtlCol="0" anchor="ctr"/>
+          <a:p>
+            <a:pPr algn="ctr"/>
+            <a:r>
+              <a:rPr lang="en-US" altLang="zh-CN"/>
+              <a:t>1</a:t>
+            </a:r>
+            <a:endParaRPr lang="en-US" altLang="zh-CN"/>
+          </a:p>
+        </p:txBody>
+      </p:sp>
+      <p:sp>
+        <p:nvSpPr>
+          <p:cNvPr id="3" name="椭圆 2"/>
+          <p:cNvSpPr/>
           <p:nvPr/>
-        </p:nvPicPr>
-        <p:blipFill>
-          <a:blip r:embed="rId1"/>
-          <a:srcRect r="1434"/>
-          <a:stretch>
-            <a:fillRect/>
-          </a:stretch>
-        </p:blipFill>
-        <p:spPr>
-          <a:xfrm>
-            <a:off x="1054735" y="3266440"/>
-            <a:ext cx="9079230" cy="3750310"/>
-          </a:xfrm>
-          <a:prstGeom prst="rect">
+        </p:nvSpPr>
+        <p:spPr>
+          <a:xfrm>
+            <a:off x="2627630" y="2366010"/>
+            <a:ext cx="914400" cy="914400"/>
+          </a:xfrm>
+          <a:prstGeom prst="ellipse">
             <a:avLst/>
           </a:prstGeom>
         </p:spPr>
-      </p:pic>
-      <p:sp>
-        <p:nvSpPr>
-          <p:cNvPr id="4" name="文本框 3"/>
-          <p:cNvSpPr txBox="1"/>
+        <p:style>
+          <a:lnRef idx="2">
+            <a:schemeClr val="accent1">
+              <a:shade val="50000"/>
+            </a:schemeClr>
+          </a:lnRef>
+          <a:fillRef idx="1">
+            <a:schemeClr val="accent1"/>
+          </a:fillRef>
+          <a:effectRef idx="0">
+            <a:schemeClr val="accent1"/>
+          </a:effectRef>
+          <a:fontRef idx="minor">
+            <a:schemeClr val="lt1"/>
+          </a:fontRef>
+        </p:style>
+        <p:txBody>
+          <a:bodyPr rtlCol="0" anchor="ctr"/>
+          <a:p>
+            <a:pPr algn="ctr"/>
+            <a:r>
+              <a:rPr lang="en-US" altLang="zh-CN"/>
+              <a:t>2</a:t>
+            </a:r>
+            <a:endParaRPr lang="en-US" altLang="zh-CN"/>
+          </a:p>
+        </p:txBody>
+      </p:sp>
+      <p:sp>
+        <p:nvSpPr>
+          <p:cNvPr id="4" name="椭圆 3"/>
+          <p:cNvSpPr/>
           <p:nvPr/>
         </p:nvSpPr>
         <p:spPr>
           <a:xfrm>
-            <a:off x="7965440" y="907415"/>
-            <a:ext cx="4236720" cy="1476375"/>
-          </a:xfrm>
-          <a:prstGeom prst="rect">
+            <a:off x="3734435" y="3917950"/>
+            <a:ext cx="914400" cy="914400"/>
+          </a:xfrm>
+          <a:prstGeom prst="ellipse">
             <a:avLst/>
           </a:prstGeom>
-          <a:noFill/>
-        </p:spPr>
-        <p:txBody>
-          <a:bodyPr wrap="square" rtlCol="0">
-            <a:spAutoFit/>
-          </a:bodyPr>
-          <a:p>
-            <a:r>
-              <a:rPr lang="zh-CN" altLang="en-US"/>
-              <a:t>整型 </a:t>
-            </a:r>
+        </p:spPr>
+        <p:style>
+          <a:lnRef idx="2">
+            <a:schemeClr val="accent1">
+              <a:shade val="50000"/>
+            </a:schemeClr>
+          </a:lnRef>
+          <a:fillRef idx="1">
+            <a:schemeClr val="accent1"/>
+          </a:fillRef>
+          <a:effectRef idx="0">
+            <a:schemeClr val="accent1"/>
+          </a:effectRef>
+          <a:fontRef idx="minor">
+            <a:schemeClr val="lt1"/>
+          </a:fontRef>
+        </p:style>
+        <p:txBody>
+          <a:bodyPr rtlCol="0" anchor="ctr"/>
+          <a:p>
+            <a:pPr algn="ctr"/>
             <a:r>
               <a:rPr lang="en-US" altLang="zh-CN"/>
-              <a:t>+ </a:t>
-            </a:r>
-            <a:r>
-              <a:rPr lang="zh-CN" altLang="en-US"/>
-              <a:t>地址 </a:t>
-            </a:r>
+              <a:t>3</a:t>
+            </a:r>
+            <a:endParaRPr lang="en-US" altLang="zh-CN"/>
+          </a:p>
+        </p:txBody>
+      </p:sp>
+      <p:sp>
+        <p:nvSpPr>
+          <p:cNvPr id="5" name="椭圆 4"/>
+          <p:cNvSpPr/>
+          <p:nvPr/>
+        </p:nvSpPr>
+        <p:spPr>
+          <a:xfrm>
+            <a:off x="5151120" y="5467350"/>
+            <a:ext cx="914400" cy="914400"/>
+          </a:xfrm>
+          <a:prstGeom prst="ellipse">
+            <a:avLst/>
+          </a:prstGeom>
+        </p:spPr>
+        <p:style>
+          <a:lnRef idx="2">
+            <a:schemeClr val="accent1">
+              <a:shade val="50000"/>
+            </a:schemeClr>
+          </a:lnRef>
+          <a:fillRef idx="1">
+            <a:schemeClr val="accent1"/>
+          </a:fillRef>
+          <a:effectRef idx="0">
+            <a:schemeClr val="accent1"/>
+          </a:effectRef>
+          <a:fontRef idx="minor">
+            <a:schemeClr val="lt1"/>
+          </a:fontRef>
+        </p:style>
+        <p:txBody>
+          <a:bodyPr rtlCol="0" anchor="ctr"/>
+          <a:p>
+            <a:pPr algn="ctr"/>
             <a:r>
               <a:rPr lang="en-US" altLang="zh-CN"/>
-              <a:t>= 8 byte + 6 byte = 14 byte</a:t>
+              <a:t>4</a:t>
             </a:r>
             <a:endParaRPr lang="en-US" altLang="zh-CN"/>
           </a:p>
-          <a:p>
-            <a:r>
-              <a:rPr lang="en-US" altLang="zh-CN"/>
-              <a:t>16kb / 14byte = 1170</a:t>
-            </a:r>
-            <a:r>
-              <a:rPr lang="zh-CN" altLang="en-US"/>
-              <a:t>个</a:t>
-            </a:r>
-            <a:endParaRPr lang="zh-CN" altLang="en-US"/>
-          </a:p>
-          <a:p>
-            <a:r>
-              <a:rPr lang="zh-CN" altLang="en-US"/>
-              <a:t>如果叶节存储索引</a:t>
-            </a:r>
-            <a:r>
-              <a:rPr lang="en-US" altLang="zh-CN"/>
-              <a:t>+data</a:t>
-            </a:r>
-            <a:r>
-              <a:rPr lang="zh-CN" altLang="en-US"/>
-              <a:t>占</a:t>
-            </a:r>
-            <a:r>
-              <a:rPr lang="en-US" altLang="zh-CN"/>
-              <a:t>1k</a:t>
-            </a:r>
-            <a:r>
-              <a:rPr lang="zh-CN" altLang="en-US"/>
-              <a:t>，则：</a:t>
-            </a:r>
-            <a:endParaRPr lang="zh-CN" altLang="en-US"/>
-          </a:p>
-          <a:p>
-            <a:r>
-              <a:rPr lang="zh-CN" altLang="en-US"/>
-              <a:t>共计可存储：</a:t>
-            </a:r>
-            <a:endParaRPr lang="zh-CN" altLang="en-US"/>
-          </a:p>
-          <a:p>
-            <a:r>
-              <a:rPr lang="en-US" altLang="zh-CN"/>
-              <a:t>1170 * 1170 * 16 = 2190</a:t>
-            </a:r>
-            <a:r>
-              <a:rPr lang="zh-CN" altLang="en-US"/>
-              <a:t>万个索引</a:t>
-            </a:r>
-            <a:endParaRPr lang="zh-CN" altLang="en-US"/>
-          </a:p>
-        </p:txBody>
-      </p:sp>
+        </p:txBody>
+      </p:sp>
+      <p:cxnSp>
+        <p:nvCxnSpPr>
+          <p:cNvPr id="6" name="直接箭头连接符 5"/>
+          <p:cNvCxnSpPr>
+            <a:stCxn id="2" idx="4"/>
+            <a:endCxn id="3" idx="1"/>
+          </p:cNvCxnSpPr>
+          <p:nvPr/>
+        </p:nvCxnSpPr>
+        <p:spPr>
+          <a:xfrm>
+            <a:off x="1510665" y="2366010"/>
+            <a:ext cx="1250950" cy="133985"/>
+          </a:xfrm>
+          <a:prstGeom prst="straightConnector1">
+            <a:avLst/>
+          </a:prstGeom>
+          <a:ln>
+            <a:tailEnd type="arrow"/>
+          </a:ln>
+        </p:spPr>
+        <p:style>
+          <a:lnRef idx="1">
+            <a:schemeClr val="accent1"/>
+          </a:lnRef>
+          <a:fillRef idx="0">
+            <a:schemeClr val="accent1"/>
+          </a:fillRef>
+          <a:effectRef idx="0">
+            <a:schemeClr val="accent1"/>
+          </a:effectRef>
+          <a:fontRef idx="minor">
+            <a:schemeClr val="tx1"/>
+          </a:fontRef>
+        </p:style>
+      </p:cxnSp>
+      <p:cxnSp>
+        <p:nvCxnSpPr>
+          <p:cNvPr id="7" name="直接箭头连接符 6"/>
+          <p:cNvCxnSpPr>
+            <a:stCxn id="3" idx="4"/>
+            <a:endCxn id="4" idx="0"/>
+          </p:cNvCxnSpPr>
+          <p:nvPr/>
+        </p:nvCxnSpPr>
+        <p:spPr>
+          <a:xfrm>
+            <a:off x="3084830" y="3280410"/>
+            <a:ext cx="1106805" cy="637540"/>
+          </a:xfrm>
+          <a:prstGeom prst="straightConnector1">
+            <a:avLst/>
+          </a:prstGeom>
+          <a:ln>
+            <a:tailEnd type="arrow"/>
+          </a:ln>
+        </p:spPr>
+        <p:style>
+          <a:lnRef idx="1">
+            <a:schemeClr val="accent1"/>
+          </a:lnRef>
+          <a:fillRef idx="0">
+            <a:schemeClr val="accent1"/>
+          </a:fillRef>
+          <a:effectRef idx="0">
+            <a:schemeClr val="accent1"/>
+          </a:effectRef>
+          <a:fontRef idx="minor">
+            <a:schemeClr val="tx1"/>
+          </a:fontRef>
+        </p:style>
+      </p:cxnSp>
+      <p:cxnSp>
+        <p:nvCxnSpPr>
+          <p:cNvPr id="8" name="直接箭头连接符 7"/>
+          <p:cNvCxnSpPr>
+            <a:stCxn id="4" idx="4"/>
+            <a:endCxn id="5" idx="1"/>
+          </p:cNvCxnSpPr>
+          <p:nvPr/>
+        </p:nvCxnSpPr>
+        <p:spPr>
+          <a:xfrm>
+            <a:off x="4191635" y="4832350"/>
+            <a:ext cx="1093470" cy="768985"/>
+          </a:xfrm>
+          <a:prstGeom prst="straightConnector1">
+            <a:avLst/>
+          </a:prstGeom>
+          <a:ln>
+            <a:tailEnd type="arrow"/>
+          </a:ln>
+        </p:spPr>
+        <p:style>
+          <a:lnRef idx="1">
+            <a:schemeClr val="accent1"/>
+          </a:lnRef>
+          <a:fillRef idx="0">
+            <a:schemeClr val="accent1"/>
+          </a:fillRef>
+          <a:effectRef idx="0">
+            <a:schemeClr val="accent1"/>
+          </a:effectRef>
+          <a:fontRef idx="minor">
+            <a:schemeClr val="tx1"/>
+          </a:fontRef>
+        </p:style>
+      </p:cxnSp>
     </p:spTree>
+    <p:custDataLst>
+      <p:tags r:id="rId1"/>
+    </p:custDataLst>
   </p:cSld>
   <p:clrMapOvr>
     <a:masterClrMapping/>
@@ -3931,7 +4936,7 @@
                   <a:schemeClr val="accent2"/>
                 </a:solidFill>
               </a:rPr>
-              <a:t>索引概述</a:t>
+              <a:t>索引到底是什么</a:t>
             </a:r>
             <a:endParaRPr lang="zh-CN" altLang="en-US" sz="3200" b="1">
               <a:solidFill>
@@ -3950,7 +4955,7 @@
         <p:spPr>
           <a:xfrm>
             <a:off x="535940" y="1462405"/>
-            <a:ext cx="10937240" cy="460375"/>
+            <a:ext cx="10937240" cy="1198880"/>
           </a:xfrm>
           <a:prstGeom prst="rect">
             <a:avLst/>
@@ -3972,9 +4977,181 @@
                   <a:srgbClr val="FF0000"/>
                 </a:solidFill>
               </a:rPr>
-              <a:t>磁盘存取原理</a:t>
-            </a:r>
-            <a:endParaRPr lang="zh-CN" altLang="en-US" sz="2400">
+              <a:t>索引</a:t>
+            </a:r>
+            <a:r>
+              <a:rPr lang="zh-CN" altLang="en-US" sz="2400"/>
+              <a:t>是帮助</a:t>
+            </a:r>
+            <a:r>
+              <a:rPr lang="en-US" altLang="zh-CN" sz="2400"/>
+              <a:t>MySQL</a:t>
+            </a:r>
+            <a:r>
+              <a:rPr lang="zh-CN" altLang="en-US" sz="2400"/>
+              <a:t>高效获取数据的</a:t>
+            </a:r>
+            <a:r>
+              <a:rPr lang="zh-CN" altLang="en-US" sz="2400">
+                <a:solidFill>
+                  <a:srgbClr val="FF0000"/>
+                </a:solidFill>
+              </a:rPr>
+              <a:t>排好序</a:t>
+            </a:r>
+            <a:r>
+              <a:rPr lang="zh-CN" altLang="en-US" sz="2400"/>
+              <a:t>的</a:t>
+            </a:r>
+            <a:r>
+              <a:rPr lang="zh-CN" altLang="en-US" sz="2400">
+                <a:solidFill>
+                  <a:srgbClr val="FF0000"/>
+                </a:solidFill>
+              </a:rPr>
+              <a:t>数据结构</a:t>
+            </a:r>
+            <a:endParaRPr lang="zh-CN" altLang="en-US" sz="2400"/>
+          </a:p>
+          <a:p>
+            <a:pPr marL="285750" indent="-285750">
+              <a:buFont typeface="Arial" panose="020B0604020202090204" pitchFamily="34" charset="0"/>
+              <a:buChar char="•"/>
+            </a:pPr>
+            <a:r>
+              <a:rPr lang="zh-CN" altLang="en-US" sz="2400"/>
+              <a:t>索引存储在文件里</a:t>
+            </a:r>
+            <a:endParaRPr lang="zh-CN" altLang="en-US" sz="2400"/>
+          </a:p>
+          <a:p>
+            <a:pPr marL="285750" indent="-285750">
+              <a:buFont typeface="Arial" panose="020B0604020202090204" pitchFamily="34" charset="0"/>
+              <a:buChar char="•"/>
+            </a:pPr>
+            <a:r>
+              <a:rPr lang="zh-CN" altLang="en-US" sz="2400"/>
+              <a:t>索引结构</a:t>
+            </a:r>
+            <a:endParaRPr lang="zh-CN" altLang="en-US" sz="2400"/>
+          </a:p>
+        </p:txBody>
+      </p:sp>
+      <p:sp>
+        <p:nvSpPr>
+          <p:cNvPr id="16" name="文本框 15"/>
+          <p:cNvSpPr txBox="1"/>
+          <p:nvPr/>
+        </p:nvSpPr>
+        <p:spPr>
+          <a:xfrm>
+            <a:off x="667385" y="4717415"/>
+            <a:ext cx="11147425" cy="1568450"/>
+          </a:xfrm>
+          <a:prstGeom prst="rect">
+            <a:avLst/>
+          </a:prstGeom>
+          <a:noFill/>
+        </p:spPr>
+        <p:txBody>
+          <a:bodyPr wrap="square" rtlCol="0">
+            <a:spAutoFit/>
+          </a:bodyPr>
+          <a:p>
+            <a:pPr marL="285750" indent="-285750">
+              <a:buFont typeface="Arial" panose="020B0604020202090204" pitchFamily="34" charset="0"/>
+              <a:buChar char="•"/>
+            </a:pPr>
+            <a:r>
+              <a:rPr lang="zh-CN" altLang="en-US" sz="2400"/>
+              <a:t>二叉树：</a:t>
+            </a:r>
+            <a:r>
+              <a:rPr lang="zh-CN" altLang="en-US" sz="2000"/>
+              <a:t>存在单增长问题</a:t>
+            </a:r>
+            <a:endParaRPr lang="zh-CN" altLang="en-US" sz="2000"/>
+          </a:p>
+          <a:p>
+            <a:pPr marL="285750" indent="-285750">
+              <a:buFont typeface="Arial" panose="020B0604020202090204" pitchFamily="34" charset="0"/>
+              <a:buChar char="•"/>
+            </a:pPr>
+            <a:r>
+              <a:rPr lang="zh-CN" altLang="en-US" sz="2400"/>
+              <a:t>红黑树：</a:t>
+            </a:r>
+            <a:r>
+              <a:rPr lang="zh-CN" altLang="en-US" sz="2000"/>
+              <a:t>深度不可控，可能过深，磁盘</a:t>
+            </a:r>
+            <a:r>
+              <a:rPr lang="en-US" altLang="zh-CN" sz="2000"/>
+              <a:t>IO</a:t>
+            </a:r>
+            <a:r>
+              <a:rPr lang="zh-CN" altLang="en-US" sz="2000"/>
+              <a:t>过多，性能过低</a:t>
+            </a:r>
+            <a:endParaRPr lang="zh-CN" altLang="en-US" sz="2000"/>
+          </a:p>
+          <a:p>
+            <a:pPr marL="285750" indent="-285750">
+              <a:buFont typeface="Arial" panose="020B0604020202090204" pitchFamily="34" charset="0"/>
+              <a:buChar char="•"/>
+            </a:pPr>
+            <a:r>
+              <a:rPr lang="en-US" altLang="zh-CN" sz="2400"/>
+              <a:t>HASH</a:t>
+            </a:r>
+            <a:r>
+              <a:rPr lang="zh-CN" altLang="en-US" sz="2400"/>
+              <a:t>：</a:t>
+            </a:r>
+            <a:r>
+              <a:rPr lang="zh-CN" altLang="en-US" sz="2000"/>
+              <a:t>只有一次</a:t>
+            </a:r>
+            <a:r>
+              <a:rPr lang="en-US" altLang="zh-CN" sz="2000"/>
+              <a:t>io</a:t>
+            </a:r>
+            <a:r>
+              <a:rPr lang="zh-CN" altLang="en-US" sz="2000"/>
+              <a:t>即可，查询较快；但是不能做范围查找，</a:t>
+            </a:r>
+            <a:endParaRPr lang="en-US" altLang="zh-CN" sz="2000"/>
+          </a:p>
+          <a:p>
+            <a:pPr marL="285750" indent="-285750">
+              <a:buFont typeface="Arial" panose="020B0604020202090204" pitchFamily="34" charset="0"/>
+              <a:buChar char="•"/>
+            </a:pPr>
+            <a:r>
+              <a:rPr lang="en-US" altLang="zh-CN" sz="2400">
+                <a:solidFill>
+                  <a:srgbClr val="FF0000"/>
+                </a:solidFill>
+              </a:rPr>
+              <a:t>BTREE</a:t>
+            </a:r>
+            <a:r>
+              <a:rPr lang="zh-CN" altLang="en-US" sz="2400">
+                <a:solidFill>
+                  <a:srgbClr val="FF0000"/>
+                </a:solidFill>
+              </a:rPr>
+              <a:t>：</a:t>
+            </a:r>
+            <a:r>
+              <a:rPr lang="zh-CN" altLang="en-US" sz="2000">
+                <a:solidFill>
+                  <a:srgbClr val="FF0000"/>
+                </a:solidFill>
+              </a:rPr>
+              <a:t>多路平衡树，每层节点横向扩增，存储更多的索引。最终达到千万级数据快速查询</a:t>
+            </a:r>
+            <a:endParaRPr lang="zh-CN" altLang="en-US" sz="2000">
               <a:solidFill>
                 <a:srgbClr val="FF0000"/>
               </a:solidFill>
@@ -3982,69 +5159,9 @@
           </a:p>
         </p:txBody>
       </p:sp>
-      <p:sp>
-        <p:nvSpPr>
-          <p:cNvPr id="16" name="文本框 15"/>
-          <p:cNvSpPr txBox="1"/>
-          <p:nvPr/>
-        </p:nvSpPr>
-        <p:spPr>
-          <a:xfrm>
-            <a:off x="1054735" y="2025650"/>
-            <a:ext cx="11147425" cy="706755"/>
-          </a:xfrm>
-          <a:prstGeom prst="rect">
-            <a:avLst/>
-          </a:prstGeom>
-          <a:noFill/>
-        </p:spPr>
-        <p:txBody>
-          <a:bodyPr wrap="square" rtlCol="0">
-            <a:spAutoFit/>
-          </a:bodyPr>
-          <a:p>
-            <a:pPr marL="342900" indent="-342900">
-              <a:buFont typeface="Arial" panose="020B0604020202090204" pitchFamily="34" charset="0"/>
-              <a:buChar char="•"/>
-            </a:pPr>
-            <a:r>
-              <a:rPr lang="zh-CN" altLang="en-US" sz="2000">
-                <a:solidFill>
-                  <a:schemeClr val="tx1"/>
-                </a:solidFill>
-              </a:rPr>
-              <a:t>寻道时间（速度慢，费时）</a:t>
-            </a:r>
-            <a:endParaRPr lang="zh-CN" altLang="en-US" sz="2000">
-              <a:solidFill>
-                <a:schemeClr val="tx1"/>
-              </a:solidFill>
-            </a:endParaRPr>
-          </a:p>
-          <a:p>
-            <a:pPr marL="342900" indent="-342900">
-              <a:buFont typeface="Arial" panose="020B0604020202090204" pitchFamily="34" charset="0"/>
-              <a:buChar char="•"/>
-            </a:pPr>
-            <a:r>
-              <a:rPr lang="zh-CN" altLang="en-US" sz="2000">
-                <a:solidFill>
-                  <a:schemeClr val="tx1"/>
-                </a:solidFill>
-              </a:rPr>
-              <a:t>旋转时间（速度较快）</a:t>
-            </a:r>
-            <a:endParaRPr lang="zh-CN" altLang="en-US" sz="2000">
-              <a:solidFill>
-                <a:schemeClr val="tx1"/>
-              </a:solidFill>
-            </a:endParaRPr>
-          </a:p>
-        </p:txBody>
-      </p:sp>
       <p:pic>
         <p:nvPicPr>
-          <p:cNvPr id="2" name="图片 1"/>
+          <p:cNvPr id="17" name="图片 16"/>
           <p:cNvPicPr>
             <a:picLocks noChangeAspect="1"/>
           </p:cNvPicPr>
@@ -4052,14 +5169,15 @@
         </p:nvPicPr>
         <p:blipFill>
           <a:blip r:embed="rId1"/>
+          <a:srcRect l="2213" t="3626" r="1712"/>
           <a:stretch>
             <a:fillRect/>
           </a:stretch>
         </p:blipFill>
         <p:spPr>
           <a:xfrm>
-            <a:off x="2640965" y="3321685"/>
-            <a:ext cx="6727190" cy="2306955"/>
+            <a:off x="5702935" y="1906905"/>
+            <a:ext cx="5901690" cy="2810510"/>
           </a:xfrm>
           <a:prstGeom prst="rect">
             <a:avLst/>
@@ -4152,49 +5270,9 @@
                   <a:srgbClr val="FF0000"/>
                 </a:solidFill>
               </a:rPr>
-              <a:t>InnoDB</a:t>
-            </a:r>
-            <a:r>
-              <a:rPr lang="zh-CN" altLang="en-US" sz="2400">
-                <a:solidFill>
-                  <a:srgbClr val="FF0000"/>
-                </a:solidFill>
-              </a:rPr>
-              <a:t>索引实现（聚集）：</a:t>
-            </a:r>
-            <a:r>
-              <a:rPr lang="en-US" altLang="zh-CN" sz="2400">
-                <a:solidFill>
-                  <a:srgbClr val="FF0000"/>
-                </a:solidFill>
-              </a:rPr>
-              <a:t>.frm</a:t>
-            </a:r>
-            <a:r>
-              <a:rPr lang="zh-CN" altLang="en-US" sz="2400">
-                <a:solidFill>
-                  <a:srgbClr val="FF0000"/>
-                </a:solidFill>
-              </a:rPr>
-              <a:t>文件、</a:t>
-            </a:r>
-            <a:r>
-              <a:rPr lang="en-US" altLang="zh-CN" sz="2400">
-                <a:solidFill>
-                  <a:srgbClr val="FF0000"/>
-                </a:solidFill>
-              </a:rPr>
-              <a:t>.ibd</a:t>
-            </a:r>
-            <a:r>
-              <a:rPr lang="zh-CN" altLang="en-US" sz="2400">
-                <a:solidFill>
-                  <a:srgbClr val="FF0000"/>
-                </a:solidFill>
-              </a:rPr>
-              <a:t>文件（索引、数据文件）</a:t>
-            </a:r>
-            <a:endParaRPr lang="zh-CN" altLang="en-US" sz="2400">
+              <a:t>B-Tree</a:t>
+            </a:r>
+            <a:endParaRPr lang="en-US" altLang="zh-CN" sz="2400">
               <a:solidFill>
                 <a:srgbClr val="FF0000"/>
               </a:solidFill>
@@ -4211,7 +5289,7 @@
         <p:spPr>
           <a:xfrm>
             <a:off x="1054735" y="2025650"/>
-            <a:ext cx="11147425" cy="2245360"/>
+            <a:ext cx="11147425" cy="1322070"/>
           </a:xfrm>
           <a:prstGeom prst="rect">
             <a:avLst/>
@@ -4223,33 +5301,41 @@
             <a:spAutoFit/>
           </a:bodyPr>
           <a:p>
-            <a:pPr marL="342900" indent="-342900">
+            <a:pPr marL="285750" indent="-285750">
               <a:buFont typeface="Arial" panose="020B0604020202090204" pitchFamily="34" charset="0"/>
               <a:buChar char="•"/>
             </a:pPr>
             <a:r>
               <a:rPr lang="zh-CN" altLang="en-US" sz="2000">
                 <a:solidFill>
-                  <a:schemeClr val="tx1"/>
-                </a:solidFill>
-              </a:rPr>
-              <a:t>表数据文件本身就是按</a:t>
+                  <a:srgbClr val="FF0000"/>
+                </a:solidFill>
+              </a:rPr>
+              <a:t>度（</a:t>
             </a:r>
             <a:r>
               <a:rPr lang="en-US" altLang="zh-CN" sz="2000">
                 <a:solidFill>
-                  <a:schemeClr val="tx1"/>
-                </a:solidFill>
-              </a:rPr>
-              <a:t>B+Tree</a:t>
-            </a:r>
-            <a:r>
-              <a:rPr lang="zh-CN" altLang="en-US" sz="2000">
-                <a:solidFill>
-                  <a:schemeClr val="tx1"/>
-                </a:solidFill>
-              </a:rPr>
-              <a:t>组织的一个索引结构文件</a:t>
+                  <a:srgbClr val="FF0000"/>
+                </a:solidFill>
+              </a:rPr>
+              <a:t>Degree)</a:t>
+            </a:r>
+            <a:r>
+              <a:rPr lang="en-US" altLang="zh-CN" sz="2000">
+                <a:solidFill>
+                  <a:schemeClr val="tx1"/>
+                </a:solidFill>
+              </a:rPr>
+              <a:t>-</a:t>
+            </a:r>
+            <a:r>
+              <a:rPr lang="zh-CN" altLang="en-US" sz="2000">
+                <a:solidFill>
+                  <a:schemeClr val="tx1"/>
+                </a:solidFill>
+              </a:rPr>
+              <a:t>节点的数据存储个数</a:t>
             </a:r>
             <a:endParaRPr lang="zh-CN" altLang="en-US" sz="2000">
               <a:solidFill>
@@ -4258,7 +5344,7 @@
             </a:endParaRPr>
           </a:p>
           <a:p>
-            <a:pPr marL="342900" indent="-342900">
+            <a:pPr marL="285750" indent="-285750">
               <a:buFont typeface="Arial" panose="020B0604020202090204" pitchFamily="34" charset="0"/>
               <a:buChar char="•"/>
             </a:pPr>
@@ -4268,23 +5354,23 @@
                   <a:schemeClr val="tx1"/>
                 </a:solidFill>
               </a:rPr>
-              <a:t>聚集索引</a:t>
-            </a:r>
-            <a:r>
-              <a:rPr lang="en-US" altLang="zh-CN" sz="2000">
-                <a:solidFill>
-                  <a:schemeClr val="tx1"/>
-                </a:solidFill>
-              </a:rPr>
-              <a:t>-</a:t>
-            </a:r>
-            <a:r>
-              <a:rPr lang="zh-CN" altLang="en-US" sz="2000">
-                <a:solidFill>
-                  <a:schemeClr val="tx1"/>
-                </a:solidFill>
-              </a:rPr>
-              <a:t>叶节点包含了完整的数据记录（索引和数据放在一个文件时，就是聚集索引）</a:t>
+              <a:t>叶节点具有</a:t>
+            </a:r>
+            <a:r>
+              <a:rPr lang="zh-CN" altLang="en-US" sz="2000">
+                <a:solidFill>
+                  <a:srgbClr val="FF0000"/>
+                </a:solidFill>
+              </a:rPr>
+              <a:t>相同</a:t>
+            </a:r>
+            <a:r>
+              <a:rPr lang="zh-CN" altLang="en-US" sz="2000">
+                <a:solidFill>
+                  <a:schemeClr val="tx1"/>
+                </a:solidFill>
+              </a:rPr>
+              <a:t>的深度</a:t>
             </a:r>
             <a:endParaRPr lang="zh-CN" altLang="en-US" sz="2000">
               <a:solidFill>
@@ -4293,7 +5379,7 @@
             </a:endParaRPr>
           </a:p>
           <a:p>
-            <a:pPr marL="342900" indent="-342900">
+            <a:pPr marL="285750" indent="-285750">
               <a:buFont typeface="Arial" panose="020B0604020202090204" pitchFamily="34" charset="0"/>
               <a:buChar char="•"/>
             </a:pPr>
@@ -4303,23 +5389,7 @@
                   <a:schemeClr val="tx1"/>
                 </a:solidFill>
               </a:rPr>
-              <a:t>为什么</a:t>
-            </a:r>
-            <a:r>
-              <a:rPr lang="en-US" altLang="zh-CN" sz="2000">
-                <a:solidFill>
-                  <a:schemeClr val="tx1"/>
-                </a:solidFill>
-              </a:rPr>
-              <a:t>InnoDB</a:t>
-            </a:r>
-            <a:r>
-              <a:rPr lang="zh-CN" altLang="en-US" sz="2000">
-                <a:solidFill>
-                  <a:schemeClr val="tx1"/>
-                </a:solidFill>
-              </a:rPr>
-              <a:t>表必须有主键，并且推荐使用整型的自增主键？</a:t>
+              <a:t>叶节点的指针为空</a:t>
             </a:r>
             <a:endParaRPr lang="zh-CN" altLang="en-US" sz="2000">
               <a:solidFill>
@@ -4328,25 +5398,49 @@
             </a:endParaRPr>
           </a:p>
           <a:p>
-            <a:pPr marL="800100" lvl="1" indent="-342900">
+            <a:pPr marL="285750" indent="-285750">
               <a:buFont typeface="Arial" panose="020B0604020202090204" pitchFamily="34" charset="0"/>
               <a:buChar char="•"/>
             </a:pPr>
             <a:r>
+              <a:rPr lang="zh-CN" altLang="en-US" sz="2000">
+                <a:solidFill>
+                  <a:schemeClr val="tx1"/>
+                </a:solidFill>
+              </a:rPr>
+              <a:t>节点中的数据</a:t>
+            </a:r>
+            <a:r>
               <a:rPr lang="en-US" altLang="zh-CN" sz="2000">
                 <a:solidFill>
-                  <a:schemeClr val="tx1"/>
-                </a:solidFill>
-              </a:rPr>
-              <a:t>InnoDB</a:t>
-            </a:r>
-            <a:r>
-              <a:rPr lang="zh-CN" altLang="en-US" sz="2000">
-                <a:solidFill>
-                  <a:schemeClr val="tx1"/>
-                </a:solidFill>
-              </a:rPr>
-              <a:t>设计时就是用索引进行维护，所以必须得有主键</a:t>
+                  <a:srgbClr val="FF0000"/>
+                </a:solidFill>
+              </a:rPr>
+              <a:t>key</a:t>
+            </a:r>
+            <a:r>
+              <a:rPr lang="zh-CN" altLang="en-US" sz="2000">
+                <a:solidFill>
+                  <a:schemeClr val="tx1"/>
+                </a:solidFill>
+              </a:rPr>
+              <a:t>从左到右</a:t>
+            </a:r>
+            <a:r>
+              <a:rPr lang="zh-CN" altLang="en-US" sz="2000">
+                <a:solidFill>
+                  <a:srgbClr val="FF0000"/>
+                </a:solidFill>
+              </a:rPr>
+              <a:t>递增</a:t>
+            </a:r>
+            <a:r>
+              <a:rPr lang="zh-CN" altLang="en-US" sz="2000">
+                <a:solidFill>
+                  <a:schemeClr val="tx1"/>
+                </a:solidFill>
+              </a:rPr>
+              <a:t>排列</a:t>
             </a:r>
             <a:endParaRPr lang="zh-CN" altLang="en-US" sz="2000">
               <a:solidFill>
@@ -4354,49 +5448,11 @@
               </a:solidFill>
             </a:endParaRPr>
           </a:p>
-          <a:p>
-            <a:pPr marL="800100" lvl="1" indent="-342900">
-              <a:buFont typeface="Arial" panose="020B0604020202090204" pitchFamily="34" charset="0"/>
-              <a:buChar char="•"/>
-            </a:pPr>
-            <a:r>
-              <a:rPr lang="zh-CN" altLang="en-US" sz="2000">
-                <a:solidFill>
-                  <a:schemeClr val="tx1"/>
-                </a:solidFill>
-              </a:rPr>
-              <a:t>整型比较大小效率高，占用数据空间小；自增，不会因后续数据插入到中间，导致叶子节点脑裂</a:t>
-            </a:r>
-            <a:endParaRPr lang="zh-CN" altLang="en-US" sz="2000">
-              <a:solidFill>
-                <a:schemeClr val="tx1"/>
-              </a:solidFill>
-            </a:endParaRPr>
-          </a:p>
-          <a:p>
-            <a:pPr marL="342900" indent="-342900">
-              <a:buFont typeface="Arial" panose="020B0604020202090204" pitchFamily="34" charset="0"/>
-              <a:buChar char="•"/>
-            </a:pPr>
-            <a:r>
-              <a:rPr lang="zh-CN" altLang="en-US" sz="2000">
-                <a:solidFill>
-                  <a:schemeClr val="tx1"/>
-                </a:solidFill>
-              </a:rPr>
-              <a:t>为什么非主键索引结构叶子节点存储的是主键值？（一致性和节省存储空间）</a:t>
-            </a:r>
-            <a:endParaRPr lang="zh-CN" altLang="en-US" sz="2000">
-              <a:solidFill>
-                <a:schemeClr val="tx1"/>
-              </a:solidFill>
-            </a:endParaRPr>
-          </a:p>
         </p:txBody>
       </p:sp>
       <p:pic>
         <p:nvPicPr>
-          <p:cNvPr id="3" name="图片 2"/>
+          <p:cNvPr id="2" name="图片 1"/>
           <p:cNvPicPr>
             <a:picLocks noChangeAspect="1"/>
           </p:cNvPicPr>
@@ -4404,38 +5460,15 @@
         </p:nvPicPr>
         <p:blipFill>
           <a:blip r:embed="rId1"/>
+          <a:srcRect t="47165" b="8018"/>
           <a:stretch>
             <a:fillRect/>
           </a:stretch>
         </p:blipFill>
         <p:spPr>
           <a:xfrm>
-            <a:off x="6193790" y="4270375"/>
-            <a:ext cx="5405120" cy="2209800"/>
-          </a:xfrm>
-          <a:prstGeom prst="rect">
-            <a:avLst/>
-          </a:prstGeom>
-        </p:spPr>
-      </p:pic>
-      <p:pic>
-        <p:nvPicPr>
-          <p:cNvPr id="5" name="图片 4"/>
-          <p:cNvPicPr>
-            <a:picLocks noChangeAspect="1"/>
-          </p:cNvPicPr>
-          <p:nvPr/>
-        </p:nvPicPr>
-        <p:blipFill>
-          <a:blip r:embed="rId2"/>
-          <a:stretch>
-            <a:fillRect/>
-          </a:stretch>
-        </p:blipFill>
-        <p:spPr>
-          <a:xfrm>
-            <a:off x="535940" y="4271010"/>
-            <a:ext cx="5426075" cy="2209165"/>
+            <a:off x="1054735" y="3832225"/>
+            <a:ext cx="10203815" cy="2554605"/>
           </a:xfrm>
           <a:prstGeom prst="rect">
             <a:avLst/>
@@ -4528,7 +5561,7 @@
                   <a:srgbClr val="FF0000"/>
                 </a:solidFill>
               </a:rPr>
-              <a:t>MyISAM</a:t>
+              <a:t>B+Tree (B-Tree</a:t>
             </a:r>
             <a:r>
               <a:rPr lang="zh-CN" altLang="en-US" sz="2400">
@@ -4536,9 +5569,17 @@
                   <a:srgbClr val="FF0000"/>
                 </a:solidFill>
               </a:rPr>
-              <a:t>索引实现（非聚集）</a:t>
-            </a:r>
-            <a:endParaRPr lang="zh-CN" altLang="en-US" sz="2400">
+              <a:t>变种</a:t>
+            </a:r>
+            <a:r>
+              <a:rPr lang="en-US" altLang="zh-CN" sz="2400">
+                <a:solidFill>
+                  <a:srgbClr val="FF0000"/>
+                </a:solidFill>
+              </a:rPr>
+              <a:t>)</a:t>
+            </a:r>
+            <a:endParaRPr lang="en-US" altLang="zh-CN" sz="2400">
               <a:solidFill>
                 <a:srgbClr val="FF0000"/>
               </a:solidFill>
@@ -4555,7 +5596,7 @@
         <p:spPr>
           <a:xfrm>
             <a:off x="1054735" y="2025650"/>
-            <a:ext cx="11147425" cy="398780"/>
+            <a:ext cx="11147425" cy="1014730"/>
           </a:xfrm>
           <a:prstGeom prst="rect">
             <a:avLst/>
@@ -4572,20 +5613,28 @@
               <a:buChar char="•"/>
             </a:pPr>
             <a:r>
+              <a:rPr lang="zh-CN" altLang="en-US" sz="2000">
+                <a:solidFill>
+                  <a:schemeClr val="tx1"/>
+                </a:solidFill>
+              </a:rPr>
+              <a:t>非叶子节点不存储</a:t>
+            </a:r>
+            <a:r>
               <a:rPr lang="en-US" altLang="zh-CN" sz="2000">
                 <a:solidFill>
                   <a:schemeClr val="tx1"/>
                 </a:solidFill>
               </a:rPr>
-              <a:t>MyISAM</a:t>
-            </a:r>
-            <a:r>
-              <a:rPr lang="zh-CN" altLang="en-US" sz="2000">
-                <a:solidFill>
-                  <a:schemeClr val="tx1"/>
-                </a:solidFill>
-              </a:rPr>
-              <a:t>索引文件和数据文件是分离的：</a:t>
+              <a:t>data</a:t>
+            </a:r>
+            <a:r>
+              <a:rPr lang="zh-CN" altLang="en-US" sz="2000">
+                <a:solidFill>
+                  <a:schemeClr val="tx1"/>
+                </a:solidFill>
+              </a:rPr>
+              <a:t>，只存储</a:t>
             </a:r>
             <a:r>
               <a:rPr lang="en-US" altLang="zh-CN" sz="2000">
@@ -4593,47 +5642,42 @@
                   <a:schemeClr val="tx1"/>
                 </a:solidFill>
               </a:rPr>
-              <a:t>.frm</a:t>
-            </a:r>
-            <a:r>
-              <a:rPr lang="zh-CN" altLang="en-US" sz="2000">
-                <a:solidFill>
-                  <a:schemeClr val="tx1"/>
-                </a:solidFill>
-              </a:rPr>
-              <a:t>结构文件、</a:t>
-            </a:r>
-            <a:r>
-              <a:rPr lang="en-US" altLang="zh-CN" sz="2000">
-                <a:solidFill>
-                  <a:schemeClr val="tx1"/>
-                </a:solidFill>
-              </a:rPr>
-              <a:t>.MYD</a:t>
-            </a:r>
-            <a:r>
-              <a:rPr lang="zh-CN" altLang="en-US" sz="2000">
-                <a:solidFill>
-                  <a:schemeClr val="tx1"/>
-                </a:solidFill>
-              </a:rPr>
-              <a:t>数据文件、</a:t>
-            </a:r>
-            <a:r>
-              <a:rPr lang="en-US" altLang="zh-CN" sz="2000">
-                <a:solidFill>
-                  <a:schemeClr val="tx1"/>
-                </a:solidFill>
-              </a:rPr>
-              <a:t>.MYI</a:t>
-            </a:r>
-            <a:r>
-              <a:rPr lang="zh-CN" altLang="en-US" sz="2000">
-                <a:solidFill>
-                  <a:schemeClr val="tx1"/>
-                </a:solidFill>
-              </a:rPr>
-              <a:t>索引文件</a:t>
+              <a:t>key</a:t>
+            </a:r>
+            <a:r>
+              <a:rPr lang="zh-CN" altLang="en-US" sz="2000">
+                <a:solidFill>
+                  <a:schemeClr val="tx1"/>
+                </a:solidFill>
+              </a:rPr>
+              <a:t>，</a:t>
+            </a:r>
+            <a:r>
+              <a:rPr lang="zh-CN" altLang="en-US" sz="2000">
+                <a:solidFill>
+                  <a:srgbClr val="FF0000"/>
+                </a:solidFill>
+              </a:rPr>
+              <a:t>可以增大度</a:t>
+            </a:r>
+            <a:endParaRPr lang="zh-CN" altLang="en-US" sz="2000">
+              <a:solidFill>
+                <a:srgbClr val="FF0000"/>
+              </a:solidFill>
+            </a:endParaRPr>
+          </a:p>
+          <a:p>
+            <a:pPr marL="342900" indent="-342900">
+              <a:buFont typeface="Arial" panose="020B0604020202090204" pitchFamily="34" charset="0"/>
+              <a:buChar char="•"/>
+            </a:pPr>
+            <a:r>
+              <a:rPr lang="zh-CN" altLang="en-US" sz="2000">
+                <a:solidFill>
+                  <a:schemeClr val="tx1"/>
+                </a:solidFill>
+              </a:rPr>
+              <a:t>叶子节点不存储指针</a:t>
             </a:r>
             <a:endParaRPr lang="zh-CN" altLang="en-US" sz="2000">
               <a:solidFill>
@@ -4641,11 +5685,30 @@
               </a:solidFill>
             </a:endParaRPr>
           </a:p>
+          <a:p>
+            <a:pPr marL="342900" indent="-342900">
+              <a:buFont typeface="Arial" panose="020B0604020202090204" pitchFamily="34" charset="0"/>
+              <a:buChar char="•"/>
+            </a:pPr>
+            <a:r>
+              <a:rPr lang="zh-CN" altLang="en-US" sz="2000">
+                <a:solidFill>
+                  <a:schemeClr val="tx1"/>
+                </a:solidFill>
+              </a:rPr>
+              <a:t>顺序该问指针，提高区间访问的性能</a:t>
+            </a:r>
+            <a:endParaRPr lang="zh-CN" altLang="en-US" sz="2000">
+              <a:solidFill>
+                <a:schemeClr val="tx1"/>
+              </a:solidFill>
+            </a:endParaRPr>
+          </a:p>
         </p:txBody>
       </p:sp>
       <p:pic>
         <p:nvPicPr>
-          <p:cNvPr id="2" name="图片 1"/>
+          <p:cNvPr id="3" name="图片 2"/>
           <p:cNvPicPr>
             <a:picLocks noChangeAspect="1"/>
           </p:cNvPicPr>
@@ -4653,44 +5716,114 @@
         </p:nvPicPr>
         <p:blipFill>
           <a:blip r:embed="rId1"/>
+          <a:srcRect r="1434"/>
           <a:stretch>
             <a:fillRect/>
           </a:stretch>
         </p:blipFill>
         <p:spPr>
           <a:xfrm>
-            <a:off x="6454140" y="2424430"/>
-            <a:ext cx="5428615" cy="3952240"/>
+            <a:off x="1054735" y="3266440"/>
+            <a:ext cx="9079230" cy="3750310"/>
           </a:xfrm>
           <a:prstGeom prst="rect">
             <a:avLst/>
           </a:prstGeom>
         </p:spPr>
       </p:pic>
-      <p:pic>
-        <p:nvPicPr>
-          <p:cNvPr id="5" name="图片 4"/>
-          <p:cNvPicPr>
-            <a:picLocks noChangeAspect="1"/>
-          </p:cNvPicPr>
+      <p:sp>
+        <p:nvSpPr>
+          <p:cNvPr id="4" name="文本框 3"/>
+          <p:cNvSpPr txBox="1"/>
           <p:nvPr/>
-        </p:nvPicPr>
-        <p:blipFill>
-          <a:blip r:embed="rId2"/>
-          <a:stretch>
-            <a:fillRect/>
-          </a:stretch>
-        </p:blipFill>
-        <p:spPr>
-          <a:xfrm>
-            <a:off x="821055" y="2553970"/>
-            <a:ext cx="5372735" cy="3942080"/>
+        </p:nvSpPr>
+        <p:spPr>
+          <a:xfrm>
+            <a:off x="7965440" y="907415"/>
+            <a:ext cx="4236720" cy="1476375"/>
           </a:xfrm>
           <a:prstGeom prst="rect">
             <a:avLst/>
           </a:prstGeom>
-        </p:spPr>
-      </p:pic>
+          <a:noFill/>
+        </p:spPr>
+        <p:txBody>
+          <a:bodyPr wrap="square" rtlCol="0">
+            <a:spAutoFit/>
+          </a:bodyPr>
+          <a:p>
+            <a:r>
+              <a:rPr lang="zh-CN" altLang="en-US"/>
+              <a:t>整型 </a:t>
+            </a:r>
+            <a:r>
+              <a:rPr lang="en-US" altLang="zh-CN"/>
+              <a:t>+ </a:t>
+            </a:r>
+            <a:r>
+              <a:rPr lang="zh-CN" altLang="en-US"/>
+              <a:t>地址 </a:t>
+            </a:r>
+            <a:r>
+              <a:rPr lang="en-US" altLang="zh-CN"/>
+              <a:t>= 8 byte + 6 byte = 14 byte</a:t>
+            </a:r>
+            <a:endParaRPr lang="en-US" altLang="zh-CN"/>
+          </a:p>
+          <a:p>
+            <a:r>
+              <a:rPr lang="en-US" altLang="zh-CN"/>
+              <a:t>16kb / 14byte = 1170</a:t>
+            </a:r>
+            <a:r>
+              <a:rPr lang="zh-CN" altLang="en-US"/>
+              <a:t>个</a:t>
+            </a:r>
+            <a:endParaRPr lang="zh-CN" altLang="en-US"/>
+          </a:p>
+          <a:p>
+            <a:r>
+              <a:rPr lang="zh-CN" altLang="en-US"/>
+              <a:t>如果叶节存储索引</a:t>
+            </a:r>
+            <a:r>
+              <a:rPr lang="en-US" altLang="zh-CN"/>
+              <a:t>+data</a:t>
+            </a:r>
+            <a:r>
+              <a:rPr lang="zh-CN" altLang="en-US"/>
+              <a:t>占</a:t>
+            </a:r>
+            <a:r>
+              <a:rPr lang="en-US" altLang="zh-CN"/>
+              <a:t>1k</a:t>
+            </a:r>
+            <a:r>
+              <a:rPr lang="zh-CN" altLang="en-US"/>
+              <a:t>，则：</a:t>
+            </a:r>
+            <a:endParaRPr lang="zh-CN" altLang="en-US"/>
+          </a:p>
+          <a:p>
+            <a:r>
+              <a:rPr lang="zh-CN" altLang="en-US"/>
+              <a:t>共计可存储：</a:t>
+            </a:r>
+            <a:endParaRPr lang="zh-CN" altLang="en-US"/>
+          </a:p>
+          <a:p>
+            <a:r>
+              <a:rPr lang="en-US" altLang="zh-CN"/>
+              <a:t>1170 * 1170 * 16 = 2190</a:t>
+            </a:r>
+            <a:r>
+              <a:rPr lang="zh-CN" altLang="en-US"/>
+              <a:t>万个索引</a:t>
+            </a:r>
+            <a:endParaRPr lang="zh-CN" altLang="en-US"/>
+          </a:p>
+        </p:txBody>
+      </p:sp>
     </p:spTree>
   </p:cSld>
   <p:clrMapOvr>
@@ -4736,7 +5869,7 @@
                   <a:schemeClr val="accent2"/>
                 </a:solidFill>
               </a:rPr>
-              <a:t>索引底层数据结构与算法</a:t>
+              <a:t>索引概述</a:t>
             </a:r>
             <a:endParaRPr lang="zh-CN" altLang="en-US" sz="3200" b="1">
               <a:solidFill>
@@ -4748,14 +5881,14 @@
       </p:sp>
       <p:sp>
         <p:nvSpPr>
-          <p:cNvPr id="16" name="文本框 15"/>
+          <p:cNvPr id="10" name="文本框 9"/>
           <p:cNvSpPr txBox="1"/>
           <p:nvPr/>
         </p:nvSpPr>
         <p:spPr>
           <a:xfrm>
-            <a:off x="1054735" y="2025650"/>
-            <a:ext cx="11147425" cy="2245360"/>
+            <a:off x="535940" y="1462405"/>
+            <a:ext cx="10937240" cy="460375"/>
           </a:xfrm>
           <a:prstGeom prst="rect">
             <a:avLst/>
@@ -4767,6 +5900,47 @@
             <a:spAutoFit/>
           </a:bodyPr>
           <a:p>
+            <a:pPr marL="285750" indent="-285750">
+              <a:buFont typeface="Arial" panose="020B0604020202090204" pitchFamily="34" charset="0"/>
+              <a:buChar char="•"/>
+            </a:pPr>
+            <a:r>
+              <a:rPr lang="zh-CN" altLang="en-US" sz="2400">
+                <a:solidFill>
+                  <a:srgbClr val="FF0000"/>
+                </a:solidFill>
+              </a:rPr>
+              <a:t>磁盘存取原理</a:t>
+            </a:r>
+            <a:endParaRPr lang="zh-CN" altLang="en-US" sz="2400">
+              <a:solidFill>
+                <a:srgbClr val="FF0000"/>
+              </a:solidFill>
+            </a:endParaRPr>
+          </a:p>
+        </p:txBody>
+      </p:sp>
+      <p:sp>
+        <p:nvSpPr>
+          <p:cNvPr id="16" name="文本框 15"/>
+          <p:cNvSpPr txBox="1"/>
+          <p:nvPr/>
+        </p:nvSpPr>
+        <p:spPr>
+          <a:xfrm>
+            <a:off x="1054735" y="2025650"/>
+            <a:ext cx="11147425" cy="706755"/>
+          </a:xfrm>
+          <a:prstGeom prst="rect">
+            <a:avLst/>
+          </a:prstGeom>
+          <a:noFill/>
+        </p:spPr>
+        <p:txBody>
+          <a:bodyPr wrap="square" rtlCol="0">
+            <a:spAutoFit/>
+          </a:bodyPr>
+          <a:p>
             <a:pPr marL="342900" indent="-342900">
               <a:buFont typeface="Arial" panose="020B0604020202090204" pitchFamily="34" charset="0"/>
               <a:buChar char="•"/>
@@ -4777,98 +5951,7 @@
                   <a:schemeClr val="tx1"/>
                 </a:solidFill>
               </a:rPr>
-              <a:t>为什么</a:t>
-            </a:r>
-            <a:r>
-              <a:rPr lang="en-US" altLang="zh-CN" sz="2000">
-                <a:solidFill>
-                  <a:schemeClr val="tx1"/>
-                </a:solidFill>
-              </a:rPr>
-              <a:t>mysql</a:t>
-            </a:r>
-            <a:r>
-              <a:rPr lang="zh-CN" altLang="en-US" sz="2000">
-                <a:solidFill>
-                  <a:schemeClr val="tx1"/>
-                </a:solidFill>
-              </a:rPr>
-              <a:t>页文件默认</a:t>
-            </a:r>
-            <a:r>
-              <a:rPr lang="en-US" altLang="zh-CN" sz="2000">
-                <a:solidFill>
-                  <a:schemeClr val="tx1"/>
-                </a:solidFill>
-              </a:rPr>
-              <a:t>16K?</a:t>
-            </a:r>
-            <a:endParaRPr lang="en-US" altLang="zh-CN" sz="2000">
-              <a:solidFill>
-                <a:schemeClr val="tx1"/>
-              </a:solidFill>
-            </a:endParaRPr>
-          </a:p>
-          <a:p>
-            <a:pPr indent="0">
-              <a:buFont typeface="Arial" panose="020B0604020202090204" pitchFamily="34" charset="0"/>
-              <a:buNone/>
-            </a:pPr>
-            <a:r>
-              <a:rPr lang="zh-CN" altLang="en-US" sz="2000">
-                <a:solidFill>
-                  <a:schemeClr val="tx1"/>
-                </a:solidFill>
-              </a:rPr>
-              <a:t>假如我们一行数据大小为</a:t>
-            </a:r>
-            <a:r>
-              <a:rPr lang="en-US" altLang="zh-CN" sz="2000">
-                <a:solidFill>
-                  <a:schemeClr val="tx1"/>
-                </a:solidFill>
-              </a:rPr>
-              <a:t>1k</a:t>
-            </a:r>
-            <a:r>
-              <a:rPr lang="zh-CN" altLang="en-US" sz="2000">
-                <a:solidFill>
-                  <a:schemeClr val="tx1"/>
-                </a:solidFill>
-              </a:rPr>
-              <a:t>，那么一页就能存</a:t>
-            </a:r>
-            <a:r>
-              <a:rPr lang="en-US" altLang="zh-CN" sz="2000">
-                <a:solidFill>
-                  <a:schemeClr val="tx1"/>
-                </a:solidFill>
-              </a:rPr>
-              <a:t>16</a:t>
-            </a:r>
-            <a:r>
-              <a:rPr lang="zh-CN" altLang="en-US" sz="2000">
-                <a:solidFill>
-                  <a:schemeClr val="tx1"/>
-                </a:solidFill>
-              </a:rPr>
-              <a:t>条数据，也就是一个叶子节点能存</a:t>
-            </a:r>
-            <a:r>
-              <a:rPr lang="en-US" altLang="zh-CN" sz="2000">
-                <a:solidFill>
-                  <a:schemeClr val="tx1"/>
-                </a:solidFill>
-              </a:rPr>
-              <a:t>16</a:t>
-            </a:r>
-            <a:r>
-              <a:rPr lang="zh-CN" altLang="en-US" sz="2000">
-                <a:solidFill>
-                  <a:schemeClr val="tx1"/>
-                </a:solidFill>
-              </a:rPr>
-              <a:t>条数据；</a:t>
+              <a:t>寻道时间（速度慢，费时）</a:t>
             </a:r>
             <a:endParaRPr lang="zh-CN" altLang="en-US" sz="2000">
               <a:solidFill>
@@ -4877,9 +5960,9 @@
             </a:endParaRPr>
           </a:p>
           <a:p>
-            <a:pPr indent="0">
+            <a:pPr marL="342900" indent="-342900">
               <a:buFont typeface="Arial" panose="020B0604020202090204" pitchFamily="34" charset="0"/>
-              <a:buNone/>
+              <a:buChar char="•"/>
             </a:pPr>
             <a:r>
               <a:rPr lang="zh-CN" altLang="en-US" sz="2000">
@@ -4887,87 +5970,7 @@
                   <a:schemeClr val="tx1"/>
                 </a:solidFill>
               </a:rPr>
-              <a:t>再看非叶节子节点，假设主键</a:t>
-            </a:r>
-            <a:r>
-              <a:rPr lang="en-US" altLang="zh-CN" sz="2000">
-                <a:solidFill>
-                  <a:schemeClr val="tx1"/>
-                </a:solidFill>
-              </a:rPr>
-              <a:t>ID</a:t>
-            </a:r>
-            <a:r>
-              <a:rPr lang="zh-CN" altLang="en-US" sz="2000">
-                <a:solidFill>
-                  <a:schemeClr val="tx1"/>
-                </a:solidFill>
-              </a:rPr>
-              <a:t>为</a:t>
-            </a:r>
-            <a:r>
-              <a:rPr lang="en-US" altLang="zh-CN" sz="2000">
-                <a:solidFill>
-                  <a:schemeClr val="tx1"/>
-                </a:solidFill>
-              </a:rPr>
-              <a:t>bigint</a:t>
-            </a:r>
-            <a:r>
-              <a:rPr lang="zh-CN" altLang="en-US" sz="2000">
-                <a:solidFill>
-                  <a:schemeClr val="tx1"/>
-                </a:solidFill>
-              </a:rPr>
-              <a:t>类型，那么长度为</a:t>
-            </a:r>
-            <a:r>
-              <a:rPr lang="en-US" altLang="zh-CN" sz="2000">
-                <a:solidFill>
-                  <a:schemeClr val="tx1"/>
-                </a:solidFill>
-              </a:rPr>
-              <a:t>8B</a:t>
-            </a:r>
-            <a:r>
-              <a:rPr lang="zh-CN" altLang="en-US" sz="2000">
-                <a:solidFill>
-                  <a:schemeClr val="tx1"/>
-                </a:solidFill>
-              </a:rPr>
-              <a:t>，指针大小在</a:t>
-            </a:r>
-            <a:r>
-              <a:rPr lang="en-US" altLang="zh-CN" sz="2000">
-                <a:solidFill>
-                  <a:schemeClr val="tx1"/>
-                </a:solidFill>
-              </a:rPr>
-              <a:t>Innodb</a:t>
-            </a:r>
-            <a:r>
-              <a:rPr lang="zh-CN" altLang="en-US" sz="2000">
-                <a:solidFill>
-                  <a:schemeClr val="tx1"/>
-                </a:solidFill>
-              </a:rPr>
-              <a:t>源码中为</a:t>
-            </a:r>
-            <a:r>
-              <a:rPr lang="en-US" altLang="zh-CN" sz="2000">
-                <a:solidFill>
-                  <a:schemeClr val="tx1"/>
-                </a:solidFill>
-              </a:rPr>
-              <a:t>6B</a:t>
-            </a:r>
-            <a:r>
-              <a:rPr lang="zh-CN" altLang="en-US" sz="2000">
-                <a:solidFill>
-                  <a:schemeClr val="tx1"/>
-                </a:solidFill>
-              </a:rPr>
-              <a:t>，</a:t>
+              <a:t>旋转时间（速度较快）</a:t>
             </a:r>
             <a:endParaRPr lang="zh-CN" altLang="en-US" sz="2000">
               <a:solidFill>
@@ -4975,201 +5978,32 @@
               </a:solidFill>
             </a:endParaRPr>
           </a:p>
-          <a:p>
-            <a:pPr indent="0">
-              <a:buFont typeface="Arial" panose="020B0604020202090204" pitchFamily="34" charset="0"/>
-              <a:buNone/>
-            </a:pPr>
-            <a:r>
-              <a:rPr lang="zh-CN" altLang="en-US" sz="2000">
-                <a:solidFill>
-                  <a:schemeClr val="tx1"/>
-                </a:solidFill>
-              </a:rPr>
-              <a:t>一共就是</a:t>
-            </a:r>
-            <a:r>
-              <a:rPr lang="en-US" altLang="zh-CN" sz="2000">
-                <a:solidFill>
-                  <a:schemeClr val="tx1"/>
-                </a:solidFill>
-              </a:rPr>
-              <a:t>14B</a:t>
-            </a:r>
-            <a:r>
-              <a:rPr lang="zh-CN" altLang="en-US" sz="2000">
-                <a:solidFill>
-                  <a:schemeClr val="tx1"/>
-                </a:solidFill>
-              </a:rPr>
-              <a:t>，那么一页里就可以存储</a:t>
-            </a:r>
-            <a:r>
-              <a:rPr lang="en-US" altLang="zh-CN" sz="2000">
-                <a:solidFill>
-                  <a:schemeClr val="tx1"/>
-                </a:solidFill>
-              </a:rPr>
-              <a:t>16K/14=1170</a:t>
-            </a:r>
-            <a:r>
-              <a:rPr lang="zh-CN" altLang="en-US" sz="2000">
-                <a:solidFill>
-                  <a:schemeClr val="tx1"/>
-                </a:solidFill>
-              </a:rPr>
-              <a:t>个（主键</a:t>
-            </a:r>
-            <a:r>
-              <a:rPr lang="en-US" altLang="zh-CN" sz="2000">
-                <a:solidFill>
-                  <a:schemeClr val="tx1"/>
-                </a:solidFill>
-              </a:rPr>
-              <a:t>+</a:t>
-            </a:r>
-            <a:r>
-              <a:rPr lang="zh-CN" altLang="en-US" sz="2000">
-                <a:solidFill>
-                  <a:schemeClr val="tx1"/>
-                </a:solidFill>
-              </a:rPr>
-              <a:t>指针）</a:t>
-            </a:r>
-            <a:endParaRPr lang="zh-CN" altLang="en-US" sz="2000">
-              <a:solidFill>
-                <a:schemeClr val="tx1"/>
-              </a:solidFill>
-            </a:endParaRPr>
-          </a:p>
-          <a:p>
-            <a:pPr indent="0">
-              <a:buFont typeface="Arial" panose="020B0604020202090204" pitchFamily="34" charset="0"/>
-              <a:buNone/>
-            </a:pPr>
-            <a:endParaRPr lang="zh-CN" altLang="en-US" sz="2000">
-              <a:solidFill>
-                <a:schemeClr val="tx1"/>
-              </a:solidFill>
-            </a:endParaRPr>
-          </a:p>
-          <a:p>
-            <a:pPr indent="0">
-              <a:buFont typeface="Arial" panose="020B0604020202090204" pitchFamily="34" charset="0"/>
-              <a:buNone/>
-            </a:pPr>
-            <a:r>
-              <a:rPr lang="zh-CN" altLang="en-US" sz="2000">
-                <a:solidFill>
-                  <a:schemeClr val="tx1"/>
-                </a:solidFill>
-              </a:rPr>
-              <a:t>那么一颗高度为</a:t>
-            </a:r>
-            <a:r>
-              <a:rPr lang="en-US" altLang="zh-CN" sz="2000">
-                <a:solidFill>
-                  <a:schemeClr val="tx1"/>
-                </a:solidFill>
-              </a:rPr>
-              <a:t>2</a:t>
-            </a:r>
-            <a:r>
-              <a:rPr lang="zh-CN" altLang="en-US" sz="2000">
-                <a:solidFill>
-                  <a:schemeClr val="tx1"/>
-                </a:solidFill>
-              </a:rPr>
-              <a:t>的</a:t>
-            </a:r>
-            <a:r>
-              <a:rPr lang="en-US" altLang="zh-CN" sz="2000">
-                <a:solidFill>
-                  <a:schemeClr val="tx1"/>
-                </a:solidFill>
-              </a:rPr>
-              <a:t>B+</a:t>
-            </a:r>
-            <a:r>
-              <a:rPr lang="zh-CN" altLang="en-US" sz="2000">
-                <a:solidFill>
-                  <a:schemeClr val="tx1"/>
-                </a:solidFill>
-              </a:rPr>
-              <a:t>树能存储的数据为：</a:t>
-            </a:r>
-            <a:r>
-              <a:rPr lang="en-US" altLang="zh-CN" sz="2000">
-                <a:solidFill>
-                  <a:schemeClr val="tx1"/>
-                </a:solidFill>
-              </a:rPr>
-              <a:t>1170*16=18720</a:t>
-            </a:r>
-            <a:r>
-              <a:rPr lang="zh-CN" altLang="en-US" sz="2000">
-                <a:solidFill>
-                  <a:schemeClr val="tx1"/>
-                </a:solidFill>
-              </a:rPr>
-              <a:t>条，一颗高度为</a:t>
-            </a:r>
-            <a:r>
-              <a:rPr lang="en-US" altLang="zh-CN" sz="2000">
-                <a:solidFill>
-                  <a:schemeClr val="tx1"/>
-                </a:solidFill>
-              </a:rPr>
-              <a:t>3</a:t>
-            </a:r>
-            <a:r>
-              <a:rPr lang="zh-CN" altLang="en-US" sz="2000">
-                <a:solidFill>
-                  <a:schemeClr val="tx1"/>
-                </a:solidFill>
-              </a:rPr>
-              <a:t>的</a:t>
-            </a:r>
-            <a:r>
-              <a:rPr lang="en-US" altLang="zh-CN" sz="2000">
-                <a:solidFill>
-                  <a:schemeClr val="tx1"/>
-                </a:solidFill>
-              </a:rPr>
-              <a:t>B+</a:t>
-            </a:r>
-            <a:r>
-              <a:rPr lang="zh-CN" altLang="en-US" sz="2000">
-                <a:solidFill>
-                  <a:schemeClr val="tx1"/>
-                </a:solidFill>
-              </a:rPr>
-              <a:t>树能存储的数据为</a:t>
-            </a:r>
-            <a:r>
-              <a:rPr lang="en-US" altLang="zh-CN" sz="2000">
-                <a:solidFill>
-                  <a:schemeClr val="tx1"/>
-                </a:solidFill>
-              </a:rPr>
-              <a:t>1170 * 1170 * 16 = 2190240</a:t>
-            </a:r>
-            <a:r>
-              <a:rPr lang="zh-CN" altLang="en-US" sz="2000">
-                <a:solidFill>
-                  <a:schemeClr val="tx1"/>
-                </a:solidFill>
-              </a:rPr>
-              <a:t>（千万级条）</a:t>
-            </a:r>
-            <a:endParaRPr lang="en-US" altLang="zh-CN" sz="2000">
-              <a:solidFill>
-                <a:schemeClr val="tx1"/>
-              </a:solidFill>
-            </a:endParaRPr>
-          </a:p>
-        </p:txBody>
-      </p:sp>
+        </p:txBody>
+      </p:sp>
+      <p:pic>
+        <p:nvPicPr>
+          <p:cNvPr id="2" name="图片 1"/>
+          <p:cNvPicPr>
+            <a:picLocks noChangeAspect="1"/>
+          </p:cNvPicPr>
+          <p:nvPr/>
+        </p:nvPicPr>
+        <p:blipFill>
+          <a:blip r:embed="rId1"/>
+          <a:stretch>
+            <a:fillRect/>
+          </a:stretch>
+        </p:blipFill>
+        <p:spPr>
+          <a:xfrm>
+            <a:off x="2640965" y="3321685"/>
+            <a:ext cx="6727190" cy="2306955"/>
+          </a:xfrm>
+          <a:prstGeom prst="rect">
+            <a:avLst/>
+          </a:prstGeom>
+        </p:spPr>
+      </p:pic>
     </p:spTree>
   </p:cSld>
   <p:clrMapOvr>
@@ -5227,14 +6061,14 @@
       </p:sp>
       <p:sp>
         <p:nvSpPr>
-          <p:cNvPr id="16" name="文本框 15"/>
+          <p:cNvPr id="10" name="文本框 9"/>
           <p:cNvSpPr txBox="1"/>
           <p:nvPr/>
         </p:nvSpPr>
         <p:spPr>
           <a:xfrm>
-            <a:off x="1054735" y="2025650"/>
-            <a:ext cx="11147425" cy="2245360"/>
+            <a:off x="535940" y="1462405"/>
+            <a:ext cx="10937240" cy="460375"/>
           </a:xfrm>
           <a:prstGeom prst="rect">
             <a:avLst/>
@@ -5246,6 +6080,87 @@
             <a:spAutoFit/>
           </a:bodyPr>
           <a:p>
+            <a:pPr marL="285750" indent="-285750">
+              <a:buFont typeface="Arial" panose="020B0604020202090204" pitchFamily="34" charset="0"/>
+              <a:buChar char="•"/>
+            </a:pPr>
+            <a:r>
+              <a:rPr lang="en-US" altLang="zh-CN" sz="2400">
+                <a:solidFill>
+                  <a:srgbClr val="FF0000"/>
+                </a:solidFill>
+              </a:rPr>
+              <a:t>InnoDB</a:t>
+            </a:r>
+            <a:r>
+              <a:rPr lang="zh-CN" altLang="en-US" sz="2400">
+                <a:solidFill>
+                  <a:srgbClr val="FF0000"/>
+                </a:solidFill>
+              </a:rPr>
+              <a:t>索引实现（聚集）：</a:t>
+            </a:r>
+            <a:r>
+              <a:rPr lang="en-US" altLang="zh-CN" sz="2400">
+                <a:solidFill>
+                  <a:srgbClr val="FF0000"/>
+                </a:solidFill>
+              </a:rPr>
+              <a:t>.frm</a:t>
+            </a:r>
+            <a:r>
+              <a:rPr lang="zh-CN" altLang="en-US" sz="2400">
+                <a:solidFill>
+                  <a:srgbClr val="FF0000"/>
+                </a:solidFill>
+              </a:rPr>
+              <a:t>文件、</a:t>
+            </a:r>
+            <a:r>
+              <a:rPr lang="en-US" altLang="zh-CN" sz="2400">
+                <a:solidFill>
+                  <a:srgbClr val="FF0000"/>
+                </a:solidFill>
+              </a:rPr>
+              <a:t>.ibd</a:t>
+            </a:r>
+            <a:r>
+              <a:rPr lang="zh-CN" altLang="en-US" sz="2400">
+                <a:solidFill>
+                  <a:srgbClr val="FF0000"/>
+                </a:solidFill>
+              </a:rPr>
+              <a:t>文件（索引、数据文件）</a:t>
+            </a:r>
+            <a:endParaRPr lang="zh-CN" altLang="en-US" sz="2400">
+              <a:solidFill>
+                <a:srgbClr val="FF0000"/>
+              </a:solidFill>
+            </a:endParaRPr>
+          </a:p>
+        </p:txBody>
+      </p:sp>
+      <p:sp>
+        <p:nvSpPr>
+          <p:cNvPr id="16" name="文本框 15"/>
+          <p:cNvSpPr txBox="1"/>
+          <p:nvPr/>
+        </p:nvSpPr>
+        <p:spPr>
+          <a:xfrm>
+            <a:off x="1054735" y="2025650"/>
+            <a:ext cx="11147425" cy="2245360"/>
+          </a:xfrm>
+          <a:prstGeom prst="rect">
+            <a:avLst/>
+          </a:prstGeom>
+          <a:noFill/>
+        </p:spPr>
+        <p:txBody>
+          <a:bodyPr wrap="square" rtlCol="0">
+            <a:spAutoFit/>
+          </a:bodyPr>
+          <a:p>
             <a:pPr marL="342900" indent="-342900">
               <a:buFont typeface="Arial" panose="020B0604020202090204" pitchFamily="34" charset="0"/>
               <a:buChar char="•"/>
@@ -5256,7 +6171,7 @@
                   <a:schemeClr val="tx1"/>
                 </a:solidFill>
               </a:rPr>
-              <a:t>为什么</a:t>
+              <a:t>表数据文件本身就是按</a:t>
             </a:r>
             <a:r>
               <a:rPr lang="en-US" altLang="zh-CN" sz="2000">
@@ -5264,90 +6179,15 @@
                   <a:schemeClr val="tx1"/>
                 </a:solidFill>
               </a:rPr>
-              <a:t>mysql</a:t>
-            </a:r>
-            <a:r>
-              <a:rPr lang="zh-CN" altLang="en-US" sz="2000">
-                <a:solidFill>
-                  <a:schemeClr val="tx1"/>
-                </a:solidFill>
-              </a:rPr>
-              <a:t>页文件默认</a:t>
-            </a:r>
-            <a:r>
-              <a:rPr lang="en-US" altLang="zh-CN" sz="2000">
-                <a:solidFill>
-                  <a:schemeClr val="tx1"/>
-                </a:solidFill>
-              </a:rPr>
-              <a:t>16K?</a:t>
-            </a:r>
-            <a:endParaRPr lang="en-US" altLang="zh-CN" sz="2000">
-              <a:solidFill>
-                <a:schemeClr val="tx1"/>
-              </a:solidFill>
-            </a:endParaRPr>
-          </a:p>
-          <a:p>
-            <a:pPr indent="0">
-              <a:buFont typeface="Arial" panose="020B0604020202090204" pitchFamily="34" charset="0"/>
-              <a:buNone/>
-            </a:pPr>
-            <a:r>
-              <a:rPr lang="zh-CN" altLang="en-US" sz="2000">
-                <a:solidFill>
-                  <a:schemeClr val="tx1"/>
-                </a:solidFill>
-              </a:rPr>
-              <a:t>假如我们一行数据大小为</a:t>
-            </a:r>
-            <a:r>
-              <a:rPr lang="en-US" altLang="zh-CN" sz="2000">
-                <a:solidFill>
-                  <a:schemeClr val="tx1"/>
-                </a:solidFill>
-              </a:rPr>
-              <a:t>1k</a:t>
-            </a:r>
-            <a:r>
-              <a:rPr lang="zh-CN" altLang="en-US" sz="2000">
-                <a:solidFill>
-                  <a:schemeClr val="tx1"/>
-                </a:solidFill>
-              </a:rPr>
-              <a:t>，那么一页就能存</a:t>
-            </a:r>
-            <a:r>
-              <a:rPr lang="en-US" altLang="zh-CN" sz="2000">
-                <a:solidFill>
-                  <a:schemeClr val="tx1"/>
-                </a:solidFill>
-              </a:rPr>
-              <a:t>16</a:t>
-            </a:r>
-            <a:r>
-              <a:rPr lang="zh-CN" altLang="en-US" sz="2000">
-                <a:solidFill>
-                  <a:schemeClr val="tx1"/>
-                </a:solidFill>
-              </a:rPr>
-              <a:t>条数据，也就是一个叶子节点能存</a:t>
-            </a:r>
-            <a:r>
-              <a:rPr lang="en-US" altLang="zh-CN" sz="2000">
-                <a:solidFill>
-                  <a:schemeClr val="tx1"/>
-                </a:solidFill>
-              </a:rPr>
-              <a:t>16</a:t>
-            </a:r>
-            <a:r>
-              <a:rPr lang="zh-CN" altLang="en-US" sz="2000">
-                <a:solidFill>
-                  <a:schemeClr val="tx1"/>
-                </a:solidFill>
-              </a:rPr>
-              <a:t>条数据；</a:t>
+              <a:t>B+Tree</a:t>
+            </a:r>
+            <a:r>
+              <a:rPr lang="zh-CN" altLang="en-US" sz="2000">
+                <a:solidFill>
+                  <a:schemeClr val="tx1"/>
+                </a:solidFill>
+              </a:rPr>
+              <a:t>组织的一个索引结构文件</a:t>
             </a:r>
             <a:endParaRPr lang="zh-CN" altLang="en-US" sz="2000">
               <a:solidFill>
@@ -5356,9 +6196,9 @@
             </a:endParaRPr>
           </a:p>
           <a:p>
-            <a:pPr indent="0">
+            <a:pPr marL="342900" indent="-342900">
               <a:buFont typeface="Arial" panose="020B0604020202090204" pitchFamily="34" charset="0"/>
-              <a:buNone/>
+              <a:buChar char="•"/>
             </a:pPr>
             <a:r>
               <a:rPr lang="zh-CN" altLang="en-US" sz="2000">
@@ -5366,7 +6206,7 @@
                   <a:schemeClr val="tx1"/>
                 </a:solidFill>
               </a:rPr>
-              <a:t>再看非叶节子节点，假设主键</a:t>
+              <a:t>聚集索引</a:t>
             </a:r>
             <a:r>
               <a:rPr lang="en-US" altLang="zh-CN" sz="2000">
@@ -5374,79 +6214,15 @@
                   <a:schemeClr val="tx1"/>
                 </a:solidFill>
               </a:rPr>
-              <a:t>ID</a:t>
-            </a:r>
-            <a:r>
-              <a:rPr lang="zh-CN" altLang="en-US" sz="2000">
-                <a:solidFill>
-                  <a:schemeClr val="tx1"/>
-                </a:solidFill>
-              </a:rPr>
-              <a:t>为</a:t>
-            </a:r>
-            <a:r>
-              <a:rPr lang="en-US" altLang="zh-CN" sz="2000">
-                <a:solidFill>
-                  <a:schemeClr val="tx1"/>
-                </a:solidFill>
-              </a:rPr>
-              <a:t>bigint</a:t>
-            </a:r>
-            <a:r>
-              <a:rPr lang="zh-CN" altLang="en-US" sz="2000">
-                <a:solidFill>
-                  <a:schemeClr val="tx1"/>
-                </a:solidFill>
-              </a:rPr>
-              <a:t>类型，那么长度为</a:t>
-            </a:r>
-            <a:r>
-              <a:rPr lang="en-US" altLang="zh-CN" sz="2000">
-                <a:solidFill>
-                  <a:schemeClr val="tx1"/>
-                </a:solidFill>
-              </a:rPr>
-              <a:t>8B</a:t>
-            </a:r>
-            <a:r>
-              <a:rPr lang="zh-CN" altLang="en-US" sz="2000">
-                <a:solidFill>
-                  <a:schemeClr val="tx1"/>
-                </a:solidFill>
-              </a:rPr>
-              <a:t>，指针大小在</a:t>
-            </a:r>
-            <a:r>
-              <a:rPr lang="en-US" altLang="zh-CN" sz="2000">
-                <a:solidFill>
-                  <a:schemeClr val="tx1"/>
-                </a:solidFill>
-              </a:rPr>
-              <a:t>Innodb</a:t>
-            </a:r>
-            <a:r>
-              <a:rPr lang="zh-CN" altLang="en-US" sz="2000">
-                <a:solidFill>
-                  <a:schemeClr val="tx1"/>
-                </a:solidFill>
-              </a:rPr>
-              <a:t>源码中为</a:t>
-            </a:r>
-            <a:r>
-              <a:rPr lang="en-US" altLang="zh-CN" sz="2000">
-                <a:solidFill>
-                  <a:schemeClr val="tx1"/>
-                </a:solidFill>
-              </a:rPr>
-              <a:t>6B</a:t>
-            </a:r>
-            <a:r>
-              <a:rPr lang="zh-CN" altLang="en-US" sz="2000">
-                <a:solidFill>
-                  <a:schemeClr val="tx1"/>
-                </a:solidFill>
-              </a:rPr>
-              <a:t>，</a:t>
+              <a:t>-</a:t>
+            </a:r>
+            <a:r>
+              <a:rPr lang="zh-CN" altLang="en-US" sz="2000">
+                <a:solidFill>
+                  <a:schemeClr val="tx1"/>
+                </a:solidFill>
+              </a:rPr>
+              <a:t>叶节点包含了完整的数据记录（索引和数据放在一个文件时，就是聚集索引）</a:t>
             </a:r>
             <a:endParaRPr lang="zh-CN" altLang="en-US" sz="2000">
               <a:solidFill>
@@ -5455,9 +6231,9 @@
             </a:endParaRPr>
           </a:p>
           <a:p>
-            <a:pPr indent="0">
+            <a:pPr marL="342900" indent="-342900">
               <a:buFont typeface="Arial" panose="020B0604020202090204" pitchFamily="34" charset="0"/>
-              <a:buNone/>
+              <a:buChar char="•"/>
             </a:pPr>
             <a:r>
               <a:rPr lang="zh-CN" altLang="en-US" sz="2000">
@@ -5465,7 +6241,7 @@
                   <a:schemeClr val="tx1"/>
                 </a:solidFill>
               </a:rPr>
-              <a:t>一共就是</a:t>
+              <a:t>为什么</a:t>
             </a:r>
             <a:r>
               <a:rPr lang="en-US" altLang="zh-CN" sz="2000">
@@ -5473,47 +6249,15 @@
                   <a:schemeClr val="tx1"/>
                 </a:solidFill>
               </a:rPr>
-              <a:t>14B</a:t>
-            </a:r>
-            <a:r>
-              <a:rPr lang="zh-CN" altLang="en-US" sz="2000">
-                <a:solidFill>
-                  <a:schemeClr val="tx1"/>
-                </a:solidFill>
-              </a:rPr>
-              <a:t>，那么一页里就可以存储</a:t>
-            </a:r>
-            <a:r>
-              <a:rPr lang="en-US" altLang="zh-CN" sz="2000">
-                <a:solidFill>
-                  <a:schemeClr val="tx1"/>
-                </a:solidFill>
-              </a:rPr>
-              <a:t>16K/14=1170</a:t>
-            </a:r>
-            <a:r>
-              <a:rPr lang="zh-CN" altLang="en-US" sz="2000">
-                <a:solidFill>
-                  <a:schemeClr val="tx1"/>
-                </a:solidFill>
-              </a:rPr>
-              <a:t>个（主键</a:t>
-            </a:r>
-            <a:r>
-              <a:rPr lang="en-US" altLang="zh-CN" sz="2000">
-                <a:solidFill>
-                  <a:schemeClr val="tx1"/>
-                </a:solidFill>
-              </a:rPr>
-              <a:t>+</a:t>
-            </a:r>
-            <a:r>
-              <a:rPr lang="zh-CN" altLang="en-US" sz="2000">
-                <a:solidFill>
-                  <a:schemeClr val="tx1"/>
-                </a:solidFill>
-              </a:rPr>
-              <a:t>指针）</a:t>
+              <a:t>InnoDB</a:t>
+            </a:r>
+            <a:r>
+              <a:rPr lang="zh-CN" altLang="en-US" sz="2000">
+                <a:solidFill>
+                  <a:schemeClr val="tx1"/>
+                </a:solidFill>
+              </a:rPr>
+              <a:t>表必须有主键，并且推荐使用整型的自增主键？</a:t>
             </a:r>
             <a:endParaRPr lang="zh-CN" altLang="en-US" sz="2000">
               <a:solidFill>
@@ -5522,10 +6266,26 @@
             </a:endParaRPr>
           </a:p>
           <a:p>
-            <a:pPr indent="0">
+            <a:pPr marL="800100" lvl="1" indent="-342900">
               <a:buFont typeface="Arial" panose="020B0604020202090204" pitchFamily="34" charset="0"/>
-              <a:buNone/>
+              <a:buChar char="•"/>
             </a:pPr>
+            <a:r>
+              <a:rPr lang="en-US" altLang="zh-CN" sz="2000">
+                <a:solidFill>
+                  <a:schemeClr val="tx1"/>
+                </a:solidFill>
+              </a:rPr>
+              <a:t>InnoDB</a:t>
+            </a:r>
+            <a:r>
+              <a:rPr lang="zh-CN" altLang="en-US" sz="2000">
+                <a:solidFill>
+                  <a:schemeClr val="tx1"/>
+                </a:solidFill>
+              </a:rPr>
+              <a:t>设计时就是用索引进行维护，所以必须得有主键</a:t>
+            </a:r>
             <a:endParaRPr lang="zh-CN" altLang="en-US" sz="2000">
               <a:solidFill>
                 <a:schemeClr val="tx1"/>
@@ -5533,9 +6293,9 @@
             </a:endParaRPr>
           </a:p>
           <a:p>
-            <a:pPr indent="0">
+            <a:pPr marL="800100" lvl="1" indent="-342900">
               <a:buFont typeface="Arial" panose="020B0604020202090204" pitchFamily="34" charset="0"/>
-              <a:buNone/>
+              <a:buChar char="•"/>
             </a:pPr>
             <a:r>
               <a:rPr lang="zh-CN" altLang="en-US" sz="2000">
@@ -5543,112 +6303,83 @@
                   <a:schemeClr val="tx1"/>
                 </a:solidFill>
               </a:rPr>
-              <a:t>那么一颗高度为</a:t>
-            </a:r>
-            <a:r>
-              <a:rPr lang="en-US" altLang="zh-CN" sz="2000">
-                <a:solidFill>
-                  <a:schemeClr val="tx1"/>
-                </a:solidFill>
-              </a:rPr>
-              <a:t>2</a:t>
-            </a:r>
-            <a:r>
-              <a:rPr lang="zh-CN" altLang="en-US" sz="2000">
-                <a:solidFill>
-                  <a:schemeClr val="tx1"/>
-                </a:solidFill>
-              </a:rPr>
-              <a:t>的</a:t>
-            </a:r>
-            <a:r>
-              <a:rPr lang="en-US" altLang="zh-CN" sz="2000">
-                <a:solidFill>
-                  <a:schemeClr val="tx1"/>
-                </a:solidFill>
-              </a:rPr>
-              <a:t>B+</a:t>
-            </a:r>
-            <a:r>
-              <a:rPr lang="zh-CN" altLang="en-US" sz="2000">
-                <a:solidFill>
-                  <a:schemeClr val="tx1"/>
-                </a:solidFill>
-              </a:rPr>
-              <a:t>树能存储的数据为：</a:t>
-            </a:r>
-            <a:r>
-              <a:rPr lang="en-US" altLang="zh-CN" sz="2000">
-                <a:solidFill>
-                  <a:schemeClr val="tx1"/>
-                </a:solidFill>
-              </a:rPr>
-              <a:t>1170*16=18720</a:t>
-            </a:r>
-            <a:r>
-              <a:rPr lang="zh-CN" altLang="en-US" sz="2000">
-                <a:solidFill>
-                  <a:schemeClr val="tx1"/>
-                </a:solidFill>
-              </a:rPr>
-              <a:t>条，一颗高度为</a:t>
-            </a:r>
-            <a:r>
-              <a:rPr lang="en-US" altLang="zh-CN" sz="2000">
-                <a:solidFill>
-                  <a:schemeClr val="tx1"/>
-                </a:solidFill>
-              </a:rPr>
-              <a:t>3</a:t>
-            </a:r>
-            <a:r>
-              <a:rPr lang="zh-CN" altLang="en-US" sz="2000">
-                <a:solidFill>
-                  <a:schemeClr val="tx1"/>
-                </a:solidFill>
-              </a:rPr>
-              <a:t>的</a:t>
-            </a:r>
-            <a:r>
-              <a:rPr lang="en-US" altLang="zh-CN" sz="2000">
-                <a:solidFill>
-                  <a:schemeClr val="tx1"/>
-                </a:solidFill>
-              </a:rPr>
-              <a:t>B+</a:t>
-            </a:r>
-            <a:r>
-              <a:rPr lang="zh-CN" altLang="en-US" sz="2000">
-                <a:solidFill>
-                  <a:schemeClr val="tx1"/>
-                </a:solidFill>
-              </a:rPr>
-              <a:t>树能存储的数据为</a:t>
-            </a:r>
-            <a:r>
-              <a:rPr lang="en-US" altLang="zh-CN" sz="2000">
-                <a:solidFill>
-                  <a:schemeClr val="tx1"/>
-                </a:solidFill>
-              </a:rPr>
-              <a:t>1170 * 1170 * 16 = 2190240</a:t>
-            </a:r>
-            <a:r>
-              <a:rPr lang="zh-CN" altLang="en-US" sz="2000">
-                <a:solidFill>
-                  <a:schemeClr val="tx1"/>
-                </a:solidFill>
-              </a:rPr>
-              <a:t>（千万级条）</a:t>
-            </a:r>
-            <a:endParaRPr lang="en-US" altLang="zh-CN" sz="2000">
+              <a:t>整型比较大小效率高，占用数据空间小；自增，不会因后续数据插入到中间，导致叶子节点脑裂</a:t>
+            </a:r>
+            <a:endParaRPr lang="zh-CN" altLang="en-US" sz="2000">
               <a:solidFill>
                 <a:schemeClr val="tx1"/>
               </a:solidFill>
             </a:endParaRPr>
           </a:p>
-        </p:txBody>
-      </p:sp>
+          <a:p>
+            <a:pPr marL="342900" indent="-342900">
+              <a:buFont typeface="Arial" panose="020B0604020202090204" pitchFamily="34" charset="0"/>
+              <a:buChar char="•"/>
+            </a:pPr>
+            <a:r>
+              <a:rPr lang="zh-CN" altLang="en-US" sz="2000">
+                <a:solidFill>
+                  <a:schemeClr val="tx1"/>
+                </a:solidFill>
+              </a:rPr>
+              <a:t>为什么非主键索引结构叶子节点存储的是主键值？（一致性和节省存储空间）</a:t>
+            </a:r>
+            <a:endParaRPr lang="zh-CN" altLang="en-US" sz="2000">
+              <a:solidFill>
+                <a:schemeClr val="tx1"/>
+              </a:solidFill>
+            </a:endParaRPr>
+          </a:p>
+        </p:txBody>
+      </p:sp>
+      <p:pic>
+        <p:nvPicPr>
+          <p:cNvPr id="3" name="图片 2"/>
+          <p:cNvPicPr>
+            <a:picLocks noChangeAspect="1"/>
+          </p:cNvPicPr>
+          <p:nvPr/>
+        </p:nvPicPr>
+        <p:blipFill>
+          <a:blip r:embed="rId1"/>
+          <a:stretch>
+            <a:fillRect/>
+          </a:stretch>
+        </p:blipFill>
+        <p:spPr>
+          <a:xfrm>
+            <a:off x="6193790" y="4270375"/>
+            <a:ext cx="5405120" cy="2209800"/>
+          </a:xfrm>
+          <a:prstGeom prst="rect">
+            <a:avLst/>
+          </a:prstGeom>
+        </p:spPr>
+      </p:pic>
+      <p:pic>
+        <p:nvPicPr>
+          <p:cNvPr id="5" name="图片 4"/>
+          <p:cNvPicPr>
+            <a:picLocks noChangeAspect="1"/>
+          </p:cNvPicPr>
+          <p:nvPr/>
+        </p:nvPicPr>
+        <p:blipFill>
+          <a:blip r:embed="rId2"/>
+          <a:stretch>
+            <a:fillRect/>
+          </a:stretch>
+        </p:blipFill>
+        <p:spPr>
+          <a:xfrm>
+            <a:off x="535940" y="4271010"/>
+            <a:ext cx="5426075" cy="2209165"/>
+          </a:xfrm>
+          <a:prstGeom prst="rect">
+            <a:avLst/>
+          </a:prstGeom>
+        </p:spPr>
+      </p:pic>
     </p:spTree>
   </p:cSld>
   <p:clrMapOvr>
@@ -5658,6 +6389,24 @@
 </file>
 
 <file path=ppt/tags/tag1.xml><?xml version="1.0" encoding="utf-8"?>
+<p:tagLst xmlns:p="http://schemas.openxmlformats.org/presentationml/2006/main">
+  <p:tag name="KSO_WM_SLIDE_MODEL_TYPE" val="cover"/>
+</p:tagLst>
+</file>
+
+<file path=ppt/tags/tag2.xml><?xml version="1.0" encoding="utf-8"?>
+<p:tagLst xmlns:p="http://schemas.openxmlformats.org/presentationml/2006/main">
+  <p:tag name="KSO_WM_SLIDE_MODEL_TYPE" val="cover"/>
+</p:tagLst>
+</file>
+
+<file path=ppt/tags/tag3.xml><?xml version="1.0" encoding="utf-8"?>
+<p:tagLst xmlns:p="http://schemas.openxmlformats.org/presentationml/2006/main">
+  <p:tag name="KSO_WM_SLIDE_MODEL_TYPE" val="cover"/>
+</p:tagLst>
+</file>
+
+<file path=ppt/tags/tag4.xml><?xml version="1.0" encoding="utf-8"?>
 <p:tagLst xmlns:p="http://schemas.openxmlformats.org/presentationml/2006/main">
   <p:tag name="KSO_WM_SLIDE_MODEL_TYPE" val="cover"/>
 </p:tagLst>

--- a/src/main/java/com/java/z_exam/mysql/MySQL索引原理及如何建立高效索引.pptx
+++ b/src/main/java/com/java/z_exam/mysql/MySQL索引原理及如何建立高效索引.pptx
@@ -5068,7 +5068,7 @@
             </a:r>
             <a:r>
               <a:rPr lang="zh-CN" altLang="en-US" sz="2000"/>
-              <a:t>存在单增长问题</a:t>
+              <a:t>存在单边增长问题</a:t>
             </a:r>
             <a:endParaRPr lang="zh-CN" altLang="en-US" sz="2000"/>
           </a:p>
@@ -5538,8 +5538,8 @@
         </p:nvSpPr>
         <p:spPr>
           <a:xfrm>
-            <a:off x="535940" y="1462405"/>
-            <a:ext cx="10937240" cy="460375"/>
+            <a:off x="535940" y="1176655"/>
+            <a:ext cx="10937240" cy="829945"/>
           </a:xfrm>
           <a:prstGeom prst="rect">
             <a:avLst/>
@@ -5579,7 +5579,34 @@
               </a:rPr>
               <a:t>)</a:t>
             </a:r>
-            <a:endParaRPr lang="en-US" altLang="zh-CN" sz="2400">
+            <a:r>
+              <a:rPr lang="zh-CN" altLang="en-US" sz="2400">
+                <a:solidFill>
+                  <a:srgbClr val="FF0000"/>
+                </a:solidFill>
+              </a:rPr>
+              <a:t>，</a:t>
+            </a:r>
+            <a:endParaRPr lang="zh-CN" altLang="en-US" sz="2400">
+              <a:solidFill>
+                <a:srgbClr val="FF0000"/>
+              </a:solidFill>
+            </a:endParaRPr>
+          </a:p>
+          <a:p>
+            <a:pPr marL="285750" indent="-285750">
+              <a:buFont typeface="Arial" panose="020B0604020202090204" pitchFamily="34" charset="0"/>
+              <a:buChar char="•"/>
+            </a:pPr>
+            <a:r>
+              <a:rPr lang="zh-CN" altLang="en-US" sz="2400">
+                <a:solidFill>
+                  <a:srgbClr val="FF0000"/>
+                </a:solidFill>
+              </a:rPr>
+              <a:t>也叫：BTree又叫多路平衡搜索树</a:t>
+            </a:r>
+            <a:endParaRPr lang="zh-CN" altLang="en-US" sz="2400">
               <a:solidFill>
                 <a:srgbClr val="FF0000"/>
               </a:solidFill>
@@ -6148,8 +6175,8 @@
         </p:nvSpPr>
         <p:spPr>
           <a:xfrm>
-            <a:off x="1054735" y="2025650"/>
-            <a:ext cx="11147425" cy="2245360"/>
+            <a:off x="721360" y="1987550"/>
+            <a:ext cx="11147425" cy="2553335"/>
           </a:xfrm>
           <a:prstGeom prst="rect">
             <a:avLst/>
@@ -6303,7 +6330,7 @@
                   <a:schemeClr val="tx1"/>
                 </a:solidFill>
               </a:rPr>
-              <a:t>整型比较大小效率高，占用数据空间小；自增，不会因后续数据插入到中间，导致叶子节点脑裂</a:t>
+              <a:t>整型比较大小效率高，占用数据空间小；自增，不会因后续数据插入到中间，导致叶子节点脑裂（每增记录就会顺序添加到当前索引节点的后续位置，主键的顺序按照数据记录的插入顺序排列，自动有序。当一页写满，就会自动开辟一个新的页）</a:t>
             </a:r>
             <a:endParaRPr lang="zh-CN" altLang="en-US" sz="2000">
               <a:solidFill>
@@ -6348,7 +6375,7 @@
         </p:blipFill>
         <p:spPr>
           <a:xfrm>
-            <a:off x="6193790" y="4270375"/>
+            <a:off x="6193790" y="4619625"/>
             <a:ext cx="5405120" cy="2209800"/>
           </a:xfrm>
           <a:prstGeom prst="rect">
@@ -6372,7 +6399,7 @@
         </p:blipFill>
         <p:spPr>
           <a:xfrm>
-            <a:off x="535940" y="4271010"/>
+            <a:off x="535940" y="4540885"/>
             <a:ext cx="5426075" cy="2209165"/>
           </a:xfrm>
           <a:prstGeom prst="rect">

--- a/src/main/java/com/java/z_exam/mysql/MySQL索引原理及如何建立高效索引.pptx
+++ b/src/main/java/com/java/z_exam/mysql/MySQL索引原理及如何建立高效索引.pptx
@@ -18,6 +18,7 @@
     <p:sldId id="266" r:id="rId13"/>
     <p:sldId id="268" r:id="rId14"/>
     <p:sldId id="267" r:id="rId15"/>
+    <p:sldId id="282" r:id="rId16"/>
   </p:sldIdLst>
   <p:sldSz cx="12192000" cy="6858000"/>
   <p:notesSz cx="7103745" cy="10234295"/>
@@ -4171,6 +4172,312 @@
 </p:sld>
 </file>
 
+<file path=ppt/slides/slide14.xml><?xml version="1.0" encoding="utf-8"?>
+<p:sld xmlns:a="http://schemas.openxmlformats.org/drawingml/2006/main" xmlns:r="http://schemas.openxmlformats.org/officeDocument/2006/relationships" xmlns:p="http://schemas.openxmlformats.org/presentationml/2006/main">
+  <p:cSld>
+    <p:spTree>
+      <p:nvGrpSpPr>
+        <p:cNvPr id="1" name=""/>
+        <p:cNvGrpSpPr/>
+        <p:nvPr/>
+      </p:nvGrpSpPr>
+      <p:grpSpPr/>
+      <p:sp>
+        <p:nvSpPr>
+          <p:cNvPr id="9" name="文本框 8"/>
+          <p:cNvSpPr txBox="1"/>
+          <p:nvPr/>
+        </p:nvSpPr>
+        <p:spPr>
+          <a:xfrm>
+            <a:off x="535940" y="427990"/>
+            <a:ext cx="10281285" cy="583565"/>
+          </a:xfrm>
+          <a:prstGeom prst="rect">
+            <a:avLst/>
+          </a:prstGeom>
+          <a:noFill/>
+        </p:spPr>
+        <p:txBody>
+          <a:bodyPr wrap="square" rtlCol="0">
+            <a:spAutoFit/>
+          </a:bodyPr>
+          <a:p>
+            <a:r>
+              <a:rPr lang="en-US" altLang="zh-CN" sz="3200" b="1">
+                <a:solidFill>
+                  <a:schemeClr val="accent2"/>
+                </a:solidFill>
+              </a:rPr>
+              <a:t>name,age</a:t>
+            </a:r>
+            <a:r>
+              <a:rPr lang="zh-CN" altLang="en-US" sz="3200" b="1">
+                <a:solidFill>
+                  <a:schemeClr val="accent2"/>
+                </a:solidFill>
+              </a:rPr>
+              <a:t>（组合索引），什么时候会有索引失败？</a:t>
+            </a:r>
+            <a:endParaRPr lang="zh-CN" altLang="en-US" sz="3200" b="1">
+              <a:solidFill>
+                <a:schemeClr val="accent2"/>
+              </a:solidFill>
+            </a:endParaRPr>
+          </a:p>
+        </p:txBody>
+      </p:sp>
+      <p:sp>
+        <p:nvSpPr>
+          <p:cNvPr id="10" name="文本框 9"/>
+          <p:cNvSpPr txBox="1"/>
+          <p:nvPr/>
+        </p:nvSpPr>
+        <p:spPr>
+          <a:xfrm>
+            <a:off x="535940" y="2091055"/>
+            <a:ext cx="10937240" cy="2676525"/>
+          </a:xfrm>
+          <a:prstGeom prst="rect">
+            <a:avLst/>
+          </a:prstGeom>
+          <a:noFill/>
+        </p:spPr>
+        <p:txBody>
+          <a:bodyPr wrap="square" rtlCol="0">
+            <a:spAutoFit/>
+          </a:bodyPr>
+          <a:p>
+            <a:pPr marL="285750" indent="-285750">
+              <a:buFont typeface="Arial" panose="020B0604020202090204" pitchFamily="34" charset="0"/>
+              <a:buChar char="•"/>
+            </a:pPr>
+            <a:r>
+              <a:rPr lang="en-US" altLang="zh-CN" sz="2400">
+                <a:solidFill>
+                  <a:srgbClr val="FF0000"/>
+                </a:solidFill>
+              </a:rPr>
+              <a:t>1</a:t>
+            </a:r>
+            <a:r>
+              <a:rPr lang="zh-CN" altLang="en-US" sz="2400">
+                <a:solidFill>
+                  <a:srgbClr val="FF0000"/>
+                </a:solidFill>
+              </a:rPr>
+              <a:t>、</a:t>
+            </a:r>
+            <a:r>
+              <a:rPr lang="en-US" altLang="zh-CN" sz="2400">
+                <a:solidFill>
+                  <a:srgbClr val="FF0000"/>
+                </a:solidFill>
+              </a:rPr>
+              <a:t>like '%ad%'</a:t>
+            </a:r>
+            <a:endParaRPr lang="en-US" altLang="zh-CN" sz="2400">
+              <a:solidFill>
+                <a:srgbClr val="FF0000"/>
+              </a:solidFill>
+            </a:endParaRPr>
+          </a:p>
+          <a:p>
+            <a:pPr marL="285750" indent="-285750">
+              <a:buFont typeface="Arial" panose="020B0604020202090204" pitchFamily="34" charset="0"/>
+              <a:buChar char="•"/>
+            </a:pPr>
+            <a:r>
+              <a:rPr lang="en-US" altLang="zh-CN" sz="2400">
+                <a:solidFill>
+                  <a:srgbClr val="FF0000"/>
+                </a:solidFill>
+              </a:rPr>
+              <a:t>2</a:t>
+            </a:r>
+            <a:r>
+              <a:rPr lang="zh-CN" altLang="en-US" sz="2400">
+                <a:solidFill>
+                  <a:srgbClr val="FF0000"/>
+                </a:solidFill>
+              </a:rPr>
+              <a:t>、组合索引如果中间某一个值使用了范围查询也会失效</a:t>
+            </a:r>
+            <a:endParaRPr lang="zh-CN" altLang="en-US" sz="2400">
+              <a:solidFill>
+                <a:srgbClr val="FF0000"/>
+              </a:solidFill>
+            </a:endParaRPr>
+          </a:p>
+          <a:p>
+            <a:pPr marL="285750" indent="-285750">
+              <a:buFont typeface="Arial" panose="020B0604020202090204" pitchFamily="34" charset="0"/>
+              <a:buChar char="•"/>
+            </a:pPr>
+            <a:r>
+              <a:rPr lang="en-US" altLang="zh-CN" sz="2400">
+                <a:solidFill>
+                  <a:srgbClr val="FF0000"/>
+                </a:solidFill>
+              </a:rPr>
+              <a:t>3</a:t>
+            </a:r>
+            <a:r>
+              <a:rPr lang="zh-CN" altLang="en-US" sz="2400">
+                <a:solidFill>
+                  <a:srgbClr val="FF0000"/>
+                </a:solidFill>
+              </a:rPr>
+              <a:t>、使用函数的时候会失效</a:t>
+            </a:r>
+            <a:endParaRPr lang="zh-CN" altLang="en-US" sz="2400">
+              <a:solidFill>
+                <a:srgbClr val="FF0000"/>
+              </a:solidFill>
+            </a:endParaRPr>
+          </a:p>
+          <a:p>
+            <a:pPr marL="285750" indent="-285750">
+              <a:buFont typeface="Arial" panose="020B0604020202090204" pitchFamily="34" charset="0"/>
+              <a:buChar char="•"/>
+            </a:pPr>
+            <a:r>
+              <a:rPr lang="en-US" altLang="zh-CN" sz="2400">
+                <a:solidFill>
+                  <a:srgbClr val="FF0000"/>
+                </a:solidFill>
+              </a:rPr>
+              <a:t>4</a:t>
+            </a:r>
+            <a:r>
+              <a:rPr lang="zh-CN" altLang="en-US" sz="2400">
+                <a:solidFill>
+                  <a:srgbClr val="FF0000"/>
+                </a:solidFill>
+              </a:rPr>
+              <a:t>、使用表达式的时候会失效</a:t>
+            </a:r>
+            <a:endParaRPr lang="zh-CN" altLang="en-US" sz="2400">
+              <a:solidFill>
+                <a:srgbClr val="FF0000"/>
+              </a:solidFill>
+            </a:endParaRPr>
+          </a:p>
+          <a:p>
+            <a:pPr marL="285750" indent="-285750">
+              <a:buFont typeface="Arial" panose="020B0604020202090204" pitchFamily="34" charset="0"/>
+              <a:buChar char="•"/>
+            </a:pPr>
+            <a:r>
+              <a:rPr lang="en-US" altLang="zh-CN" sz="2400">
+                <a:solidFill>
+                  <a:srgbClr val="FF0000"/>
+                </a:solidFill>
+              </a:rPr>
+              <a:t>5</a:t>
+            </a:r>
+            <a:r>
+              <a:rPr lang="zh-CN" altLang="en-US" sz="2400">
+                <a:solidFill>
+                  <a:srgbClr val="FF0000"/>
+                </a:solidFill>
+              </a:rPr>
+              <a:t>、类型不匹配的时候，涉及隐式转换的时候会失效 </a:t>
+            </a:r>
+            <a:r>
+              <a:rPr lang="en-US" altLang="zh-CN" sz="2400">
+                <a:solidFill>
+                  <a:srgbClr val="FF0000"/>
+                </a:solidFill>
+              </a:rPr>
+              <a:t>where id+1=1</a:t>
+            </a:r>
+            <a:endParaRPr lang="en-US" altLang="zh-CN" sz="2400">
+              <a:solidFill>
+                <a:srgbClr val="FF0000"/>
+              </a:solidFill>
+            </a:endParaRPr>
+          </a:p>
+          <a:p>
+            <a:pPr marL="285750" indent="-285750">
+              <a:buFont typeface="Arial" panose="020B0604020202090204" pitchFamily="34" charset="0"/>
+              <a:buChar char="•"/>
+            </a:pPr>
+            <a:r>
+              <a:rPr lang="en-US" altLang="zh-CN" sz="2400">
+                <a:solidFill>
+                  <a:srgbClr val="FF0000"/>
+                </a:solidFill>
+              </a:rPr>
+              <a:t>6</a:t>
+            </a:r>
+            <a:r>
+              <a:rPr lang="zh-CN" altLang="en-US" sz="2400">
+                <a:solidFill>
+                  <a:srgbClr val="FF0000"/>
+                </a:solidFill>
+              </a:rPr>
+              <a:t>、数据量特别大的时候也会失效</a:t>
+            </a:r>
+            <a:endParaRPr lang="zh-CN" altLang="en-US" sz="2400">
+              <a:solidFill>
+                <a:srgbClr val="FF0000"/>
+              </a:solidFill>
+            </a:endParaRPr>
+          </a:p>
+          <a:p>
+            <a:pPr marL="285750" indent="-285750">
+              <a:buFont typeface="Arial" panose="020B0604020202090204" pitchFamily="34" charset="0"/>
+              <a:buChar char="•"/>
+            </a:pPr>
+            <a:r>
+              <a:rPr lang="en-US" altLang="zh-CN" sz="2400">
+                <a:solidFill>
+                  <a:srgbClr val="FF0000"/>
+                </a:solidFill>
+              </a:rPr>
+              <a:t>7</a:t>
+            </a:r>
+            <a:r>
+              <a:rPr lang="zh-CN" altLang="en-US" sz="2400">
+                <a:solidFill>
+                  <a:srgbClr val="FF0000"/>
+                </a:solidFill>
+              </a:rPr>
+              <a:t>、</a:t>
+            </a:r>
+            <a:r>
+              <a:rPr lang="en-US" altLang="zh-CN" sz="2400">
+                <a:solidFill>
+                  <a:srgbClr val="FF0000"/>
+                </a:solidFill>
+              </a:rPr>
+              <a:t>or </a:t>
+            </a:r>
+            <a:r>
+              <a:rPr lang="zh-CN" altLang="en-US" sz="2400">
+                <a:solidFill>
+                  <a:srgbClr val="FF0000"/>
+                </a:solidFill>
+              </a:rPr>
+              <a:t>在某些情况下会失效</a:t>
+            </a:r>
+            <a:endParaRPr lang="zh-CN" altLang="en-US" sz="2400">
+              <a:solidFill>
+                <a:srgbClr val="FF0000"/>
+              </a:solidFill>
+            </a:endParaRPr>
+          </a:p>
+        </p:txBody>
+      </p:sp>
+    </p:spTree>
+  </p:cSld>
+  <p:clrMapOvr>
+    <a:masterClrMapping/>
+  </p:clrMapOvr>
+</p:sld>
+</file>
+
 <file path=ppt/slides/slide2.xml><?xml version="1.0" encoding="utf-8"?>
 <p:sld xmlns:a="http://schemas.openxmlformats.org/drawingml/2006/main" xmlns:r="http://schemas.openxmlformats.org/officeDocument/2006/relationships" xmlns:p="http://schemas.openxmlformats.org/presentationml/2006/main">
   <p:cSld>

--- a/src/main/java/com/java/z_exam/mysql/MySQL索引原理及如何建立高效索引.pptx
+++ b/src/main/java/com/java/z_exam/mysql/MySQL索引原理及如何建立高效索引.pptx
@@ -5930,7 +5930,7 @@
         <p:spPr>
           <a:xfrm>
             <a:off x="1054735" y="2025650"/>
-            <a:ext cx="11147425" cy="1014730"/>
+            <a:ext cx="11147425" cy="1322070"/>
           </a:xfrm>
           <a:prstGeom prst="rect">
             <a:avLst/>
@@ -6031,6 +6031,26 @@
                 </a:solidFill>
               </a:rPr>
               <a:t>顺序该问指针，提高区间访问的性能</a:t>
+            </a:r>
+            <a:endParaRPr lang="zh-CN" altLang="en-US" sz="2000">
+              <a:solidFill>
+                <a:schemeClr val="tx1"/>
+              </a:solidFill>
+            </a:endParaRPr>
+          </a:p>
+          <a:p>
+            <a:pPr marL="342900" indent="-342900">
+              <a:buFont typeface="Arial" panose="020B0604020202090204" pitchFamily="34" charset="0"/>
+              <a:buChar char="•"/>
+            </a:pPr>
+            <a:r>
+              <a:rPr lang="zh-CN" altLang="en-US" sz="2000">
+                <a:solidFill>
+                  <a:srgbClr val="FF0000"/>
+                </a:solidFill>
+                <a:sym typeface="+mn-ea"/>
+              </a:rPr>
+              <a:t>每层节点横向扩增，存储更多的索引</a:t>
             </a:r>
             <a:endParaRPr lang="zh-CN" altLang="en-US" sz="2000">
               <a:solidFill>
@@ -6057,7 +6077,7 @@
         </p:blipFill>
         <p:spPr>
           <a:xfrm>
-            <a:off x="1054735" y="3266440"/>
+            <a:off x="1054735" y="3277870"/>
             <a:ext cx="9079230" cy="3750310"/>
           </a:xfrm>
           <a:prstGeom prst="rect">
